--- a/documentations/1 - Web Services partie SOAP.pptx
+++ b/documentations/1 - Web Services partie SOAP.pptx
@@ -5,10 +5,10 @@
     <p:sldMasterId id="2147483648" r:id="rId1"/>
   </p:sldMasterIdLst>
   <p:notesMasterIdLst>
-    <p:notesMasterId r:id="rId50"/>
+    <p:notesMasterId r:id="rId51"/>
   </p:notesMasterIdLst>
   <p:handoutMasterIdLst>
-    <p:handoutMasterId r:id="rId51"/>
+    <p:handoutMasterId r:id="rId52"/>
   </p:handoutMasterIdLst>
   <p:sldIdLst>
     <p:sldId id="256" r:id="rId2"/>
@@ -40,25 +40,26 @@
     <p:sldId id="286" r:id="rId28"/>
     <p:sldId id="324" r:id="rId29"/>
     <p:sldId id="289" r:id="rId30"/>
-    <p:sldId id="287" r:id="rId31"/>
-    <p:sldId id="288" r:id="rId32"/>
-    <p:sldId id="290" r:id="rId33"/>
-    <p:sldId id="291" r:id="rId34"/>
-    <p:sldId id="280" r:id="rId35"/>
-    <p:sldId id="328" r:id="rId36"/>
-    <p:sldId id="326" r:id="rId37"/>
-    <p:sldId id="303" r:id="rId38"/>
-    <p:sldId id="304" r:id="rId39"/>
-    <p:sldId id="306" r:id="rId40"/>
-    <p:sldId id="305" r:id="rId41"/>
-    <p:sldId id="307" r:id="rId42"/>
-    <p:sldId id="356" r:id="rId43"/>
-    <p:sldId id="323" r:id="rId44"/>
-    <p:sldId id="308" r:id="rId45"/>
-    <p:sldId id="317" r:id="rId46"/>
-    <p:sldId id="365" r:id="rId47"/>
-    <p:sldId id="354" r:id="rId48"/>
-    <p:sldId id="319" r:id="rId49"/>
+    <p:sldId id="369" r:id="rId31"/>
+    <p:sldId id="287" r:id="rId32"/>
+    <p:sldId id="288" r:id="rId33"/>
+    <p:sldId id="290" r:id="rId34"/>
+    <p:sldId id="291" r:id="rId35"/>
+    <p:sldId id="280" r:id="rId36"/>
+    <p:sldId id="328" r:id="rId37"/>
+    <p:sldId id="326" r:id="rId38"/>
+    <p:sldId id="303" r:id="rId39"/>
+    <p:sldId id="304" r:id="rId40"/>
+    <p:sldId id="306" r:id="rId41"/>
+    <p:sldId id="305" r:id="rId42"/>
+    <p:sldId id="307" r:id="rId43"/>
+    <p:sldId id="356" r:id="rId44"/>
+    <p:sldId id="323" r:id="rId45"/>
+    <p:sldId id="308" r:id="rId46"/>
+    <p:sldId id="317" r:id="rId47"/>
+    <p:sldId id="365" r:id="rId48"/>
+    <p:sldId id="354" r:id="rId49"/>
+    <p:sldId id="319" r:id="rId50"/>
   </p:sldIdLst>
   <p:sldSz cx="12192000" cy="6858000"/>
   <p:notesSz cx="6858000" cy="9144000"/>
@@ -677,7 +678,7 @@
           <a:p>
             <a:fld id="{92C0ECB4-1DA6-4958-A0CF-A11808127F66}" type="datetimeFigureOut">
               <a:rPr lang="fr-FR" smtClean="0"/>
-              <a:t>08/11/2018</a:t>
+              <a:t>26/02/2019</a:t>
             </a:fld>
             <a:endParaRPr lang="fr-FR"/>
           </a:p>
@@ -842,7 +843,7 @@
           <a:p>
             <a:fld id="{79251E60-887E-4FF0-8411-14E4694F24DF}" type="datetimeFigureOut">
               <a:rPr lang="fr-FR" smtClean="0"/>
-              <a:t>08/11/2018</a:t>
+              <a:t>26/02/2019</a:t>
             </a:fld>
             <a:endParaRPr lang="fr-FR"/>
           </a:p>
@@ -1510,7 +1511,7 @@
           <a:p>
             <a:fld id="{41EB770E-9F5C-44F4-BEAD-89B26D889570}" type="slidenum">
               <a:rPr lang="fr-FR" smtClean="0"/>
-              <a:t>30</a:t>
+              <a:t>31</a:t>
             </a:fld>
             <a:endParaRPr lang="fr-FR"/>
           </a:p>
@@ -1594,7 +1595,7 @@
           <a:p>
             <a:fld id="{41EB770E-9F5C-44F4-BEAD-89B26D889570}" type="slidenum">
               <a:rPr lang="fr-FR" smtClean="0"/>
-              <a:t>31</a:t>
+              <a:t>32</a:t>
             </a:fld>
             <a:endParaRPr lang="fr-FR"/>
           </a:p>
@@ -1678,7 +1679,7 @@
           <a:p>
             <a:fld id="{41EB770E-9F5C-44F4-BEAD-89B26D889570}" type="slidenum">
               <a:rPr lang="fr-FR" smtClean="0"/>
-              <a:t>32</a:t>
+              <a:t>33</a:t>
             </a:fld>
             <a:endParaRPr lang="fr-FR"/>
           </a:p>
@@ -1762,7 +1763,7 @@
           <a:p>
             <a:fld id="{41EB770E-9F5C-44F4-BEAD-89B26D889570}" type="slidenum">
               <a:rPr lang="fr-FR" smtClean="0"/>
-              <a:t>33</a:t>
+              <a:t>34</a:t>
             </a:fld>
             <a:endParaRPr lang="fr-FR"/>
           </a:p>
@@ -1846,7 +1847,7 @@
           <a:p>
             <a:fld id="{41EB770E-9F5C-44F4-BEAD-89B26D889570}" type="slidenum">
               <a:rPr lang="fr-FR" smtClean="0"/>
-              <a:t>34</a:t>
+              <a:t>35</a:t>
             </a:fld>
             <a:endParaRPr lang="fr-FR"/>
           </a:p>
@@ -1930,7 +1931,7 @@
           <a:p>
             <a:fld id="{41EB770E-9F5C-44F4-BEAD-89B26D889570}" type="slidenum">
               <a:rPr lang="fr-FR" smtClean="0"/>
-              <a:t>35</a:t>
+              <a:t>36</a:t>
             </a:fld>
             <a:endParaRPr lang="fr-FR"/>
           </a:p>
@@ -2014,7 +2015,7 @@
           <a:p>
             <a:fld id="{41EB770E-9F5C-44F4-BEAD-89B26D889570}" type="slidenum">
               <a:rPr lang="fr-FR" smtClean="0"/>
-              <a:t>46</a:t>
+              <a:t>47</a:t>
             </a:fld>
             <a:endParaRPr lang="fr-FR"/>
           </a:p>
@@ -2834,7 +2835,7 @@
           <a:p>
             <a:fld id="{3CD8DA6A-E332-4F44-A7D2-8F4CF34CC12E}" type="datetime1">
               <a:rPr lang="fr-FR" smtClean="0"/>
-              <a:t>08/11/2018</a:t>
+              <a:t>26/02/2019</a:t>
             </a:fld>
             <a:endParaRPr lang="fr-FR"/>
           </a:p>
@@ -3002,7 +3003,7 @@
           <a:p>
             <a:fld id="{65496462-926F-4E67-AAAE-B88F0984169C}" type="datetime1">
               <a:rPr lang="fr-FR" smtClean="0"/>
-              <a:t>08/11/2018</a:t>
+              <a:t>26/02/2019</a:t>
             </a:fld>
             <a:endParaRPr lang="fr-FR"/>
           </a:p>
@@ -3180,7 +3181,7 @@
           <a:p>
             <a:fld id="{4506E9E2-0E89-4306-8ECC-CBA3342BD3BE}" type="datetime1">
               <a:rPr lang="fr-FR" smtClean="0"/>
-              <a:t>08/11/2018</a:t>
+              <a:t>26/02/2019</a:t>
             </a:fld>
             <a:endParaRPr lang="fr-FR"/>
           </a:p>
@@ -3363,7 +3364,7 @@
           <a:p>
             <a:fld id="{E72244DD-159C-49DD-92F1-EBE9639D0EE0}" type="datetime1">
               <a:rPr lang="fr-FR" smtClean="0"/>
-              <a:t>08/11/2018</a:t>
+              <a:t>26/02/2019</a:t>
             </a:fld>
             <a:endParaRPr lang="fr-FR"/>
           </a:p>
@@ -3608,7 +3609,7 @@
           <a:p>
             <a:fld id="{5D3C99ED-186C-460B-B8FA-3099305AE68E}" type="datetime1">
               <a:rPr lang="fr-FR" smtClean="0"/>
-              <a:t>08/11/2018</a:t>
+              <a:t>26/02/2019</a:t>
             </a:fld>
             <a:endParaRPr lang="fr-FR"/>
           </a:p>
@@ -3837,7 +3838,7 @@
           <a:p>
             <a:fld id="{516E6981-5710-4BB6-84F1-DBCF841A5299}" type="datetime1">
               <a:rPr lang="fr-FR" smtClean="0"/>
-              <a:t>08/11/2018</a:t>
+              <a:t>26/02/2019</a:t>
             </a:fld>
             <a:endParaRPr lang="fr-FR"/>
           </a:p>
@@ -4201,7 +4202,7 @@
           <a:p>
             <a:fld id="{F16842B7-5BE0-42D3-A68E-4B9C958A16BA}" type="datetime1">
               <a:rPr lang="fr-FR" smtClean="0"/>
-              <a:t>08/11/2018</a:t>
+              <a:t>26/02/2019</a:t>
             </a:fld>
             <a:endParaRPr lang="fr-FR"/>
           </a:p>
@@ -4318,7 +4319,7 @@
           <a:p>
             <a:fld id="{4F651A2D-4434-45A5-975D-22BC481F14E4}" type="datetime1">
               <a:rPr lang="fr-FR" smtClean="0"/>
-              <a:t>08/11/2018</a:t>
+              <a:t>26/02/2019</a:t>
             </a:fld>
             <a:endParaRPr lang="fr-FR"/>
           </a:p>
@@ -4413,7 +4414,7 @@
           <a:p>
             <a:fld id="{388C0F5D-A627-4FC2-B3B9-0D7E690BC359}" type="datetime1">
               <a:rPr lang="fr-FR" smtClean="0"/>
-              <a:t>08/11/2018</a:t>
+              <a:t>26/02/2019</a:t>
             </a:fld>
             <a:endParaRPr lang="fr-FR"/>
           </a:p>
@@ -4688,7 +4689,7 @@
           <a:p>
             <a:fld id="{CCC28D6C-0D7C-4702-B4D9-18463E1D1007}" type="datetime1">
               <a:rPr lang="fr-FR" smtClean="0"/>
-              <a:t>08/11/2018</a:t>
+              <a:t>26/02/2019</a:t>
             </a:fld>
             <a:endParaRPr lang="fr-FR"/>
           </a:p>
@@ -4940,7 +4941,7 @@
           <a:p>
             <a:fld id="{E8BBF2F9-5F60-437C-BC45-B249DFB82E00}" type="datetime1">
               <a:rPr lang="fr-FR" smtClean="0"/>
-              <a:t>08/11/2018</a:t>
+              <a:t>26/02/2019</a:t>
             </a:fld>
             <a:endParaRPr lang="fr-FR"/>
           </a:p>
@@ -5151,7 +5152,7 @@
           <a:p>
             <a:fld id="{CCAF7043-D15A-4604-BA10-86076BDB4698}" type="datetime1">
               <a:rPr lang="fr-FR" smtClean="0"/>
-              <a:t>08/11/2018</a:t>
+              <a:t>26/02/2019</a:t>
             </a:fld>
             <a:endParaRPr lang="fr-FR"/>
           </a:p>
@@ -20723,14 +20724,14 @@
           <p:nvPr>
             <p:extLst>
               <p:ext uri="{D42A27DB-BD31-4B8C-83A1-F6EECF244321}">
-                <p14:modId xmlns:p14="http://schemas.microsoft.com/office/powerpoint/2010/main" val="439619298"/>
+                <p14:modId xmlns:p14="http://schemas.microsoft.com/office/powerpoint/2010/main" val="2214414254"/>
               </p:ext>
             </p:extLst>
           </p:nvPr>
         </p:nvGraphicFramePr>
         <p:xfrm>
           <a:off x="366713" y="757219"/>
-          <a:ext cx="11463340" cy="5234396"/>
+          <a:ext cx="11463340" cy="4990556"/>
         </p:xfrm>
         <a:graphic>
           <a:graphicData uri="http://schemas.openxmlformats.org/drawingml/2006/table">
@@ -21435,29 +21436,18 @@
                     <a:lstStyle/>
                     <a:p>
                       <a:r>
-                        <a:rPr lang="fr-FR" sz="1600" dirty="0"/>
-                        <a:t>Pas encore de standard (</a:t>
-                      </a:r>
-                      <a:r>
-                        <a:rPr lang="fr-FR" sz="1600" dirty="0">
-                          <a:hlinkClick r:id="rId4"/>
-                        </a:rPr>
-                        <a:t>WADL</a:t>
+                        <a:rPr lang="fr-FR" sz="1600" dirty="0" err="1"/>
+                        <a:t>OpenAPI</a:t>
                       </a:r>
                       <a:r>
                         <a:rPr lang="fr-FR" sz="1600" dirty="0"/>
-                        <a:t>, </a:t>
+                        <a:t> </a:t>
                       </a:r>
                       <a:r>
-                        <a:rPr lang="fr-FR" sz="1600" dirty="0">
-                          <a:hlinkClick r:id="rId5"/>
-                        </a:rPr>
-                        <a:t>SWAGGER</a:t>
+                        <a:rPr lang="fr-FR" sz="1600" dirty="0" err="1"/>
+                        <a:t>Specification</a:t>
                       </a:r>
-                      <a:r>
-                        <a:rPr lang="fr-FR" sz="1600" dirty="0"/>
-                        <a:t>)</a:t>
-                      </a:r>
+                      <a:endParaRPr lang="fr-FR" sz="1600" dirty="0"/>
                     </a:p>
                   </a:txBody>
                   <a:tcPr/>
@@ -22294,63 +22284,792 @@
           <a:chExt cx="0" cy="0"/>
         </a:xfrm>
       </p:grpSpPr>
+      <p:graphicFrame>
+        <p:nvGraphicFramePr>
+          <p:cNvPr id="5" name="Tableau 4">
+            <a:extLst>
+              <a:ext uri="{FF2B5EF4-FFF2-40B4-BE49-F238E27FC236}">
+                <a16:creationId xmlns:a16="http://schemas.microsoft.com/office/drawing/2014/main" id="{9A534762-40B1-4F6A-B9FA-5BC3E8E38274}"/>
+              </a:ext>
+            </a:extLst>
+          </p:cNvPr>
+          <p:cNvGraphicFramePr>
+            <a:graphicFrameLocks noGrp="1"/>
+          </p:cNvGraphicFramePr>
+          <p:nvPr>
+            <p:extLst>
+              <p:ext uri="{D42A27DB-BD31-4B8C-83A1-F6EECF244321}">
+                <p14:modId xmlns:p14="http://schemas.microsoft.com/office/powerpoint/2010/main" val="3733478966"/>
+              </p:ext>
+            </p:extLst>
+          </p:nvPr>
+        </p:nvGraphicFramePr>
+        <p:xfrm>
+          <a:off x="366713" y="757219"/>
+          <a:ext cx="5137377" cy="4746716"/>
+        </p:xfrm>
+        <a:graphic>
+          <a:graphicData uri="http://schemas.openxmlformats.org/drawingml/2006/table">
+            <a:tbl>
+              <a:tblPr firstRow="1" bandRow="1">
+                <a:tableStyleId>{5C22544A-7EE6-4342-B048-85BDC9FD1C3A}</a:tableStyleId>
+              </a:tblPr>
+              <a:tblGrid>
+                <a:gridCol w="1862137">
+                  <a:extLst>
+                    <a:ext uri="{9D8B030D-6E8A-4147-A177-3AD203B41FA5}">
+                      <a16:colId xmlns:a16="http://schemas.microsoft.com/office/drawing/2014/main" val="86664474"/>
+                    </a:ext>
+                  </a:extLst>
+                </a:gridCol>
+                <a:gridCol w="1637620">
+                  <a:extLst>
+                    <a:ext uri="{9D8B030D-6E8A-4147-A177-3AD203B41FA5}">
+                      <a16:colId xmlns:a16="http://schemas.microsoft.com/office/drawing/2014/main" val="2046753038"/>
+                    </a:ext>
+                  </a:extLst>
+                </a:gridCol>
+                <a:gridCol w="1637620">
+                  <a:extLst>
+                    <a:ext uri="{9D8B030D-6E8A-4147-A177-3AD203B41FA5}">
+                      <a16:colId xmlns:a16="http://schemas.microsoft.com/office/drawing/2014/main" val="2063293232"/>
+                    </a:ext>
+                  </a:extLst>
+                </a:gridCol>
+              </a:tblGrid>
+              <a:tr h="490213">
+                <a:tc>
+                  <a:txBody>
+                    <a:bodyPr/>
+                    <a:lstStyle/>
+                    <a:p>
+                      <a:endParaRPr lang="fr-FR" sz="1600" dirty="0"/>
+                    </a:p>
+                  </a:txBody>
+                  <a:tcPr/>
+                </a:tc>
+                <a:tc>
+                  <a:txBody>
+                    <a:bodyPr/>
+                    <a:lstStyle/>
+                    <a:p>
+                      <a:r>
+                        <a:rPr lang="fr-FR" sz="1600" dirty="0"/>
+                        <a:t>GRAPHQL</a:t>
+                      </a:r>
+                    </a:p>
+                  </a:txBody>
+                  <a:tcPr/>
+                </a:tc>
+                <a:tc>
+                  <a:txBody>
+                    <a:bodyPr/>
+                    <a:lstStyle/>
+                    <a:p>
+                      <a:r>
+                        <a:rPr lang="fr-FR" sz="1600" dirty="0" err="1"/>
+                        <a:t>gRPC</a:t>
+                      </a:r>
+                      <a:endParaRPr lang="fr-FR" sz="1600" dirty="0"/>
+                    </a:p>
+                  </a:txBody>
+                  <a:tcPr/>
+                </a:tc>
+                <a:extLst>
+                  <a:ext uri="{0D108BD9-81ED-4DB2-BD59-A6C34878D82A}">
+                    <a16:rowId xmlns:a16="http://schemas.microsoft.com/office/drawing/2014/main" val="3658537522"/>
+                  </a:ext>
+                </a:extLst>
+              </a:tr>
+              <a:tr h="497021">
+                <a:tc>
+                  <a:txBody>
+                    <a:bodyPr/>
+                    <a:lstStyle/>
+                    <a:p>
+                      <a:r>
+                        <a:rPr lang="fr-FR" sz="1600" dirty="0"/>
+                        <a:t>Définie par</a:t>
+                      </a:r>
+                    </a:p>
+                  </a:txBody>
+                  <a:tcPr/>
+                </a:tc>
+                <a:tc>
+                  <a:txBody>
+                    <a:bodyPr/>
+                    <a:lstStyle/>
+                    <a:p>
+                      <a:r>
+                        <a:rPr lang="fr-FR" sz="1600" dirty="0"/>
+                        <a:t>Facebook  </a:t>
+                      </a:r>
+                      <a:r>
+                        <a:rPr lang="fr-FR" sz="1600" dirty="0" err="1"/>
+                        <a:t>then</a:t>
+                      </a:r>
+                      <a:br>
+                        <a:rPr lang="fr-FR" sz="1600" dirty="0"/>
+                      </a:br>
+                      <a:r>
+                        <a:rPr lang="fr-FR" sz="1600" dirty="0"/>
+                        <a:t>open </a:t>
+                      </a:r>
+                      <a:r>
+                        <a:rPr lang="fr-FR" sz="1600" dirty="0" err="1"/>
+                        <a:t>sourced</a:t>
+                      </a:r>
+                      <a:r>
+                        <a:rPr lang="fr-FR" sz="1600" dirty="0"/>
+                        <a:t> </a:t>
+                      </a:r>
+                      <a:endParaRPr lang="fr-FR" sz="1600" kern="1200" dirty="0">
+                        <a:solidFill>
+                          <a:schemeClr val="bg1">
+                            <a:lumMod val="50000"/>
+                          </a:schemeClr>
+                        </a:solidFill>
+                        <a:latin typeface="+mn-lt"/>
+                        <a:ea typeface="+mn-ea"/>
+                        <a:cs typeface="+mn-cs"/>
+                      </a:endParaRPr>
+                    </a:p>
+                  </a:txBody>
+                  <a:tcPr/>
+                </a:tc>
+                <a:tc>
+                  <a:txBody>
+                    <a:bodyPr/>
+                    <a:lstStyle/>
+                    <a:p>
+                      <a:r>
+                        <a:rPr lang="fr-FR" sz="1600" dirty="0"/>
+                        <a:t>Google </a:t>
+                      </a:r>
+                      <a:r>
+                        <a:rPr lang="fr-FR" sz="1600" dirty="0" err="1"/>
+                        <a:t>then</a:t>
+                      </a:r>
+                      <a:r>
+                        <a:rPr lang="fr-FR" sz="1600" dirty="0"/>
+                        <a:t> open </a:t>
+                      </a:r>
+                      <a:r>
+                        <a:rPr lang="fr-FR" sz="1600" dirty="0" err="1"/>
+                        <a:t>sourced</a:t>
+                      </a:r>
+                      <a:endParaRPr lang="fr-FR" sz="1600" kern="1200" dirty="0">
+                        <a:solidFill>
+                          <a:schemeClr val="bg1">
+                            <a:lumMod val="50000"/>
+                          </a:schemeClr>
+                        </a:solidFill>
+                        <a:latin typeface="+mn-lt"/>
+                        <a:ea typeface="+mn-ea"/>
+                        <a:cs typeface="+mn-cs"/>
+                      </a:endParaRPr>
+                    </a:p>
+                  </a:txBody>
+                  <a:tcPr/>
+                </a:tc>
+                <a:extLst>
+                  <a:ext uri="{0D108BD9-81ED-4DB2-BD59-A6C34878D82A}">
+                    <a16:rowId xmlns:a16="http://schemas.microsoft.com/office/drawing/2014/main" val="3079968419"/>
+                  </a:ext>
+                </a:extLst>
+              </a:tr>
+              <a:tr h="301322">
+                <a:tc>
+                  <a:txBody>
+                    <a:bodyPr/>
+                    <a:lstStyle/>
+                    <a:p>
+                      <a:r>
+                        <a:rPr lang="fr-FR" sz="1600" dirty="0"/>
+                        <a:t>Plateforme</a:t>
+                      </a:r>
+                    </a:p>
+                  </a:txBody>
+                  <a:tcPr/>
+                </a:tc>
+                <a:tc>
+                  <a:txBody>
+                    <a:bodyPr/>
+                    <a:lstStyle/>
+                    <a:p>
+                      <a:r>
+                        <a:rPr lang="fr-FR" sz="1600" dirty="0"/>
+                        <a:t>Multi</a:t>
+                      </a:r>
+                    </a:p>
+                  </a:txBody>
+                  <a:tcPr/>
+                </a:tc>
+                <a:tc>
+                  <a:txBody>
+                    <a:bodyPr/>
+                    <a:lstStyle/>
+                    <a:p>
+                      <a:r>
+                        <a:rPr lang="fr-FR" sz="1600" dirty="0"/>
+                        <a:t>Multi</a:t>
+                      </a:r>
+                    </a:p>
+                  </a:txBody>
+                  <a:tcPr/>
+                </a:tc>
+                <a:extLst>
+                  <a:ext uri="{0D108BD9-81ED-4DB2-BD59-A6C34878D82A}">
+                    <a16:rowId xmlns:a16="http://schemas.microsoft.com/office/drawing/2014/main" val="2311395176"/>
+                  </a:ext>
+                </a:extLst>
+              </a:tr>
+              <a:tr h="590114">
+                <a:tc>
+                  <a:txBody>
+                    <a:bodyPr/>
+                    <a:lstStyle/>
+                    <a:p>
+                      <a:r>
+                        <a:rPr lang="fr-FR" sz="1600" dirty="0"/>
+                        <a:t>Langage de développement</a:t>
+                      </a:r>
+                    </a:p>
+                  </a:txBody>
+                  <a:tcPr/>
+                </a:tc>
+                <a:tc>
+                  <a:txBody>
+                    <a:bodyPr/>
+                    <a:lstStyle/>
+                    <a:p>
+                      <a:r>
+                        <a:rPr lang="fr-FR" sz="1600" dirty="0"/>
+                        <a:t>Multi</a:t>
+                      </a:r>
+                    </a:p>
+                  </a:txBody>
+                  <a:tcPr/>
+                </a:tc>
+                <a:tc>
+                  <a:txBody>
+                    <a:bodyPr/>
+                    <a:lstStyle/>
+                    <a:p>
+                      <a:r>
+                        <a:rPr lang="fr-FR" sz="1600" dirty="0" err="1"/>
+                        <a:t>Mutli</a:t>
+                      </a:r>
+                      <a:endParaRPr lang="fr-FR" sz="1600" dirty="0"/>
+                    </a:p>
+                  </a:txBody>
+                  <a:tcPr/>
+                </a:tc>
+                <a:extLst>
+                  <a:ext uri="{0D108BD9-81ED-4DB2-BD59-A6C34878D82A}">
+                    <a16:rowId xmlns:a16="http://schemas.microsoft.com/office/drawing/2014/main" val="1615916993"/>
+                  </a:ext>
+                </a:extLst>
+              </a:tr>
+              <a:tr h="0">
+                <a:tc>
+                  <a:txBody>
+                    <a:bodyPr/>
+                    <a:lstStyle/>
+                    <a:p>
+                      <a:r>
+                        <a:rPr lang="fr-FR" sz="1600" dirty="0"/>
+                        <a:t>Format d’échange</a:t>
+                      </a:r>
+                    </a:p>
+                  </a:txBody>
+                  <a:tcPr/>
+                </a:tc>
+                <a:tc>
+                  <a:txBody>
+                    <a:bodyPr/>
+                    <a:lstStyle/>
+                    <a:p>
+                      <a:r>
+                        <a:rPr lang="fr-FR" sz="1600" dirty="0"/>
+                        <a:t>JSON</a:t>
+                      </a:r>
+                    </a:p>
+                  </a:txBody>
+                  <a:tcPr/>
+                </a:tc>
+                <a:tc>
+                  <a:txBody>
+                    <a:bodyPr/>
+                    <a:lstStyle/>
+                    <a:p>
+                      <a:r>
+                        <a:rPr lang="fr-FR" sz="1600" dirty="0"/>
+                        <a:t>Binaire</a:t>
+                      </a:r>
+                    </a:p>
+                  </a:txBody>
+                  <a:tcPr/>
+                </a:tc>
+                <a:extLst>
+                  <a:ext uri="{0D108BD9-81ED-4DB2-BD59-A6C34878D82A}">
+                    <a16:rowId xmlns:a16="http://schemas.microsoft.com/office/drawing/2014/main" val="1745707731"/>
+                  </a:ext>
+                </a:extLst>
+              </a:tr>
+              <a:tr h="468446">
+                <a:tc>
+                  <a:txBody>
+                    <a:bodyPr/>
+                    <a:lstStyle/>
+                    <a:p>
+                      <a:r>
+                        <a:rPr lang="fr-FR" sz="1600" dirty="0"/>
+                        <a:t>Langage de définition</a:t>
+                      </a:r>
+                    </a:p>
+                  </a:txBody>
+                  <a:tcPr/>
+                </a:tc>
+                <a:tc>
+                  <a:txBody>
+                    <a:bodyPr/>
+                    <a:lstStyle/>
+                    <a:p>
+                      <a:r>
+                        <a:rPr lang="fr-FR" sz="1600" dirty="0"/>
+                        <a:t>GRAPHQL</a:t>
+                      </a:r>
+                    </a:p>
+                  </a:txBody>
+                  <a:tcPr/>
+                </a:tc>
+                <a:tc>
+                  <a:txBody>
+                    <a:bodyPr/>
+                    <a:lstStyle/>
+                    <a:p>
+                      <a:endParaRPr lang="fr-FR" sz="1600" dirty="0"/>
+                    </a:p>
+                  </a:txBody>
+                  <a:tcPr/>
+                </a:tc>
+                <a:extLst>
+                  <a:ext uri="{0D108BD9-81ED-4DB2-BD59-A6C34878D82A}">
+                    <a16:rowId xmlns:a16="http://schemas.microsoft.com/office/drawing/2014/main" val="3083815491"/>
+                  </a:ext>
+                </a:extLst>
+              </a:tr>
+              <a:tr h="346526">
+                <a:tc>
+                  <a:txBody>
+                    <a:bodyPr/>
+                    <a:lstStyle/>
+                    <a:p>
+                      <a:r>
+                        <a:rPr lang="fr-FR" sz="1600" dirty="0"/>
+                        <a:t>Transport</a:t>
+                      </a:r>
+                    </a:p>
+                  </a:txBody>
+                  <a:tcPr/>
+                </a:tc>
+                <a:tc>
+                  <a:txBody>
+                    <a:bodyPr/>
+                    <a:lstStyle/>
+                    <a:p>
+                      <a:r>
+                        <a:rPr lang="fr-FR" sz="1600" dirty="0"/>
+                        <a:t>HTTP,</a:t>
+                      </a:r>
+                    </a:p>
+                  </a:txBody>
+                  <a:tcPr/>
+                </a:tc>
+                <a:tc>
+                  <a:txBody>
+                    <a:bodyPr/>
+                    <a:lstStyle/>
+                    <a:p>
+                      <a:r>
+                        <a:rPr lang="fr-FR" sz="1600" dirty="0"/>
+                        <a:t>HTTP2</a:t>
+                      </a:r>
+                    </a:p>
+                  </a:txBody>
+                  <a:tcPr/>
+                </a:tc>
+                <a:extLst>
+                  <a:ext uri="{0D108BD9-81ED-4DB2-BD59-A6C34878D82A}">
+                    <a16:rowId xmlns:a16="http://schemas.microsoft.com/office/drawing/2014/main" val="2666933613"/>
+                  </a:ext>
+                </a:extLst>
+              </a:tr>
+              <a:tr h="497021">
+                <a:tc>
+                  <a:txBody>
+                    <a:bodyPr/>
+                    <a:lstStyle/>
+                    <a:p>
+                      <a:r>
+                        <a:rPr lang="fr-FR" sz="1600" dirty="0"/>
+                        <a:t>Transaction</a:t>
+                      </a:r>
+                    </a:p>
+                  </a:txBody>
+                  <a:tcPr/>
+                </a:tc>
+                <a:tc>
+                  <a:txBody>
+                    <a:bodyPr/>
+                    <a:lstStyle/>
+                    <a:p>
+                      <a:r>
+                        <a:rPr lang="fr-FR" sz="1600" dirty="0"/>
+                        <a:t>Non</a:t>
+                      </a:r>
+                    </a:p>
+                  </a:txBody>
+                  <a:tcPr/>
+                </a:tc>
+                <a:tc>
+                  <a:txBody>
+                    <a:bodyPr/>
+                    <a:lstStyle/>
+                    <a:p>
+                      <a:r>
+                        <a:rPr lang="fr-FR" sz="1600" dirty="0"/>
+                        <a:t>Non</a:t>
+                      </a:r>
+                    </a:p>
+                  </a:txBody>
+                  <a:tcPr/>
+                </a:tc>
+                <a:extLst>
+                  <a:ext uri="{0D108BD9-81ED-4DB2-BD59-A6C34878D82A}">
+                    <a16:rowId xmlns:a16="http://schemas.microsoft.com/office/drawing/2014/main" val="4214297376"/>
+                  </a:ext>
+                </a:extLst>
+              </a:tr>
+              <a:tr h="497021">
+                <a:tc>
+                  <a:txBody>
+                    <a:bodyPr/>
+                    <a:lstStyle/>
+                    <a:p>
+                      <a:r>
+                        <a:rPr lang="fr-FR" sz="1600" dirty="0"/>
+                        <a:t>Sécurité</a:t>
+                      </a:r>
+                    </a:p>
+                  </a:txBody>
+                  <a:tcPr/>
+                </a:tc>
+                <a:tc>
+                  <a:txBody>
+                    <a:bodyPr/>
+                    <a:lstStyle/>
+                    <a:p>
+                      <a:r>
+                        <a:rPr lang="fr-FR" sz="1600" dirty="0"/>
+                        <a:t>SSL</a:t>
+                      </a:r>
+                    </a:p>
+                  </a:txBody>
+                  <a:tcPr/>
+                </a:tc>
+                <a:tc>
+                  <a:txBody>
+                    <a:bodyPr/>
+                    <a:lstStyle/>
+                    <a:p>
+                      <a:r>
+                        <a:rPr lang="fr-FR" sz="1600" dirty="0"/>
+                        <a:t>SSL</a:t>
+                      </a:r>
+                    </a:p>
+                  </a:txBody>
+                  <a:tcPr/>
+                </a:tc>
+                <a:extLst>
+                  <a:ext uri="{0D108BD9-81ED-4DB2-BD59-A6C34878D82A}">
+                    <a16:rowId xmlns:a16="http://schemas.microsoft.com/office/drawing/2014/main" val="1346628913"/>
+                  </a:ext>
+                </a:extLst>
+              </a:tr>
+              <a:tr h="497021">
+                <a:tc>
+                  <a:txBody>
+                    <a:bodyPr/>
+                    <a:lstStyle/>
+                    <a:p>
+                      <a:r>
+                        <a:rPr lang="fr-FR" sz="1600" dirty="0"/>
+                        <a:t>Web Service</a:t>
+                      </a:r>
+                    </a:p>
+                  </a:txBody>
+                  <a:tcPr/>
+                </a:tc>
+                <a:tc>
+                  <a:txBody>
+                    <a:bodyPr/>
+                    <a:lstStyle/>
+                    <a:p>
+                      <a:r>
+                        <a:rPr lang="fr-FR" sz="1600" dirty="0"/>
+                        <a:t>Oui</a:t>
+                      </a:r>
+                    </a:p>
+                  </a:txBody>
+                  <a:tcPr/>
+                </a:tc>
+                <a:tc>
+                  <a:txBody>
+                    <a:bodyPr/>
+                    <a:lstStyle/>
+                    <a:p>
+                      <a:r>
+                        <a:rPr lang="fr-FR" sz="1600" dirty="0"/>
+                        <a:t>Oui</a:t>
+                      </a:r>
+                    </a:p>
+                  </a:txBody>
+                  <a:tcPr/>
+                </a:tc>
+                <a:extLst>
+                  <a:ext uri="{0D108BD9-81ED-4DB2-BD59-A6C34878D82A}">
+                    <a16:rowId xmlns:a16="http://schemas.microsoft.com/office/drawing/2014/main" val="3912620809"/>
+                  </a:ext>
+                </a:extLst>
+              </a:tr>
+            </a:tbl>
+          </a:graphicData>
+        </a:graphic>
+      </p:graphicFrame>
+      <p:cxnSp>
+        <p:nvCxnSpPr>
+          <p:cNvPr id="6" name="Connecteur droit avec flèche 5">
+            <a:extLst>
+              <a:ext uri="{FF2B5EF4-FFF2-40B4-BE49-F238E27FC236}">
+                <a16:creationId xmlns:a16="http://schemas.microsoft.com/office/drawing/2014/main" id="{61149761-29AB-4A56-A919-AF7A5BB3EE5B}"/>
+              </a:ext>
+            </a:extLst>
+          </p:cNvPr>
+          <p:cNvCxnSpPr/>
+          <p:nvPr/>
+        </p:nvCxnSpPr>
+        <p:spPr>
+          <a:xfrm>
+            <a:off x="795343" y="6575711"/>
+            <a:ext cx="10868025" cy="0"/>
+          </a:xfrm>
+          <a:prstGeom prst="straightConnector1">
+            <a:avLst/>
+          </a:prstGeom>
+          <a:ln w="63500">
+            <a:solidFill>
+              <a:srgbClr val="00B050"/>
+            </a:solidFill>
+            <a:tailEnd type="triangle"/>
+          </a:ln>
+        </p:spPr>
+        <p:style>
+          <a:lnRef idx="1">
+            <a:schemeClr val="accent1"/>
+          </a:lnRef>
+          <a:fillRef idx="0">
+            <a:schemeClr val="accent1"/>
+          </a:fillRef>
+          <a:effectRef idx="0">
+            <a:schemeClr val="accent1"/>
+          </a:effectRef>
+          <a:fontRef idx="minor">
+            <a:schemeClr val="tx1"/>
+          </a:fontRef>
+        </p:style>
+      </p:cxnSp>
       <p:sp>
         <p:nvSpPr>
-          <p:cNvPr id="2" name="Titre 1"/>
-          <p:cNvSpPr>
-            <a:spLocks noGrp="1"/>
-          </p:cNvSpPr>
-          <p:nvPr>
-            <p:ph type="title"/>
-          </p:nvPr>
+          <p:cNvPr id="9" name="Rectangle 8">
+            <a:extLst>
+              <a:ext uri="{FF2B5EF4-FFF2-40B4-BE49-F238E27FC236}">
+                <a16:creationId xmlns:a16="http://schemas.microsoft.com/office/drawing/2014/main" id="{D2E824F1-5B97-481B-858E-AAC4BF072903}"/>
+              </a:ext>
+            </a:extLst>
+          </p:cNvPr>
+          <p:cNvSpPr/>
+          <p:nvPr/>
         </p:nvSpPr>
         <p:spPr>
           <a:xfrm>
-            <a:off x="357189" y="2257426"/>
-            <a:ext cx="11430000" cy="2790825"/>
+            <a:off x="3970182" y="6030960"/>
+            <a:ext cx="1313180" cy="369332"/>
           </a:xfrm>
+          <a:prstGeom prst="rect">
+            <a:avLst/>
+          </a:prstGeom>
         </p:spPr>
         <p:txBody>
-          <a:bodyPr>
-            <a:normAutofit fontScale="90000"/>
+          <a:bodyPr wrap="none">
+            <a:spAutoFit/>
           </a:bodyPr>
           <a:lstStyle/>
           <a:p>
-            <a:pPr algn="ctr"/>
-            <a:r>
-              <a:rPr lang="fr-FR" sz="7200" dirty="0"/>
-              <a:t>Pourquoi les Web Services ont été et sont de plus en plus utilisés ?</a:t>
+            <a:r>
+              <a:rPr lang="fr-FR" dirty="0">
+                <a:solidFill>
+                  <a:schemeClr val="bg1">
+                    <a:lumMod val="50000"/>
+                  </a:schemeClr>
+                </a:solidFill>
+              </a:rPr>
+              <a:t>Année 2015</a:t>
             </a:r>
           </a:p>
         </p:txBody>
       </p:sp>
       <p:sp>
         <p:nvSpPr>
-          <p:cNvPr id="3" name="Espace réservé du numéro de diapositive 2"/>
-          <p:cNvSpPr>
-            <a:spLocks noGrp="1"/>
+          <p:cNvPr id="10" name="Rectangle 9">
+            <a:extLst>
+              <a:ext uri="{FF2B5EF4-FFF2-40B4-BE49-F238E27FC236}">
+                <a16:creationId xmlns:a16="http://schemas.microsoft.com/office/drawing/2014/main" id="{E5A795F4-5898-44E6-AC45-1964ADA76662}"/>
+              </a:ext>
+            </a:extLst>
+          </p:cNvPr>
+          <p:cNvSpPr/>
+          <p:nvPr/>
+        </p:nvSpPr>
+        <p:spPr>
+          <a:xfrm>
+            <a:off x="2278811" y="6048741"/>
+            <a:ext cx="1313180" cy="369332"/>
+          </a:xfrm>
+          <a:prstGeom prst="rect">
+            <a:avLst/>
+          </a:prstGeom>
+        </p:spPr>
+        <p:txBody>
+          <a:bodyPr wrap="none">
+            <a:spAutoFit/>
+          </a:bodyPr>
+          <a:lstStyle/>
+          <a:p>
+            <a:r>
+              <a:rPr lang="fr-FR" dirty="0">
+                <a:solidFill>
+                  <a:schemeClr val="bg1">
+                    <a:lumMod val="50000"/>
+                  </a:schemeClr>
+                </a:solidFill>
+              </a:rPr>
+              <a:t>Année 2012</a:t>
+            </a:r>
+            <a:endParaRPr lang="fr-FR" dirty="0"/>
+          </a:p>
+        </p:txBody>
+      </p:sp>
+      <p:sp>
+        <p:nvSpPr>
+          <p:cNvPr id="13" name="Rectangle 12">
+            <a:extLst>
+              <a:ext uri="{FF2B5EF4-FFF2-40B4-BE49-F238E27FC236}">
+                <a16:creationId xmlns:a16="http://schemas.microsoft.com/office/drawing/2014/main" id="{F2583C7A-1DF3-43EF-8699-124BA5C2199B}"/>
+              </a:ext>
+            </a:extLst>
+          </p:cNvPr>
+          <p:cNvSpPr/>
+          <p:nvPr/>
+        </p:nvSpPr>
+        <p:spPr>
+          <a:xfrm>
+            <a:off x="795343" y="6160595"/>
+            <a:ext cx="769313" cy="369332"/>
+          </a:xfrm>
+          <a:prstGeom prst="rect">
+            <a:avLst/>
+          </a:prstGeom>
+        </p:spPr>
+        <p:txBody>
+          <a:bodyPr wrap="none">
+            <a:spAutoFit/>
+          </a:bodyPr>
+          <a:lstStyle/>
+          <a:p>
+            <a:r>
+              <a:rPr lang="fr-FR" dirty="0">
+                <a:solidFill>
+                  <a:srgbClr val="00B050"/>
+                </a:solidFill>
+              </a:rPr>
+              <a:t>temps</a:t>
+            </a:r>
+          </a:p>
+        </p:txBody>
+      </p:sp>
+      <p:sp>
+        <p:nvSpPr>
+          <p:cNvPr id="15" name="Titre 1">
+            <a:extLst>
+              <a:ext uri="{FF2B5EF4-FFF2-40B4-BE49-F238E27FC236}">
+                <a16:creationId xmlns:a16="http://schemas.microsoft.com/office/drawing/2014/main" id="{71EA37E0-9515-486E-ADAD-E48DB6057105}"/>
+              </a:ext>
+            </a:extLst>
+          </p:cNvPr>
+          <p:cNvSpPr txBox="1">
+            <a:spLocks/>
           </p:cNvSpPr>
-          <p:nvPr>
-            <p:ph type="sldNum" sz="quarter" idx="12"/>
-          </p:nvPr>
+          <p:nvPr/>
         </p:nvSpPr>
-        <p:spPr/>
+        <p:spPr>
+          <a:xfrm>
+            <a:off x="838199" y="-285760"/>
+            <a:ext cx="11353801" cy="1325563"/>
+          </a:xfrm>
+          <a:prstGeom prst="rect">
+            <a:avLst/>
+          </a:prstGeom>
+        </p:spPr>
         <p:txBody>
-          <a:bodyPr/>
-          <a:lstStyle/>
-          <a:p>
-            <a:fld id="{B79E4878-4BCB-449E-94CF-AE2A0F6BB533}" type="slidenum">
-              <a:rPr lang="fr-FR" smtClean="0"/>
-              <a:t>30</a:t>
-            </a:fld>
-            <a:endParaRPr lang="fr-FR"/>
+          <a:bodyPr vert="horz" lIns="91440" tIns="45720" rIns="91440" bIns="45720" rtlCol="0" anchor="ctr">
+            <a:normAutofit/>
+          </a:bodyPr>
+          <a:lstStyle>
+            <a:lvl1pPr algn="l" defTabSz="914400" rtl="0" eaLnBrk="1" latinLnBrk="0" hangingPunct="1">
+              <a:lnSpc>
+                <a:spcPct val="90000"/>
+              </a:lnSpc>
+              <a:spcBef>
+                <a:spcPct val="0"/>
+              </a:spcBef>
+              <a:buNone/>
+              <a:defRPr sz="4400" b="1" kern="1200">
+                <a:solidFill>
+                  <a:schemeClr val="accent1">
+                    <a:lumMod val="75000"/>
+                  </a:schemeClr>
+                </a:solidFill>
+                <a:latin typeface="+mj-lt"/>
+                <a:ea typeface="+mj-ea"/>
+                <a:cs typeface="+mj-cs"/>
+              </a:defRPr>
+            </a:lvl1pPr>
+          </a:lstStyle>
+          <a:p>
+            <a:r>
+              <a:rPr lang="fr-FR"/>
+              <a:t>Historique des protocole(s) RPC</a:t>
+            </a:r>
+            <a:endParaRPr lang="fr-FR" dirty="0"/>
           </a:p>
         </p:txBody>
       </p:sp>
     </p:spTree>
     <p:extLst>
       <p:ext uri="{BB962C8B-B14F-4D97-AF65-F5344CB8AC3E}">
-        <p14:creationId xmlns:p14="http://schemas.microsoft.com/office/powerpoint/2010/main" val="3325677601"/>
+        <p14:creationId xmlns:p14="http://schemas.microsoft.com/office/powerpoint/2010/main" val="1605262062"/>
       </p:ext>
     </p:extLst>
   </p:cSld>
@@ -22387,117 +23106,29 @@
             <p:ph type="title"/>
           </p:nvPr>
         </p:nvSpPr>
-        <p:spPr/>
+        <p:spPr>
+          <a:xfrm>
+            <a:off x="357189" y="2257426"/>
+            <a:ext cx="11430000" cy="2790825"/>
+          </a:xfrm>
+        </p:spPr>
         <p:txBody>
-          <a:bodyPr/>
+          <a:bodyPr>
+            <a:normAutofit fontScale="90000"/>
+          </a:bodyPr>
           <a:lstStyle/>
           <a:p>
-            <a:r>
-              <a:rPr lang="fr-FR" dirty="0"/>
-              <a:t>Les anciennes technologie ont des défauts</a:t>
+            <a:pPr algn="ctr"/>
+            <a:r>
+              <a:rPr lang="fr-FR" sz="7200" dirty="0"/>
+              <a:t>Pourquoi les Web Services ont été et sont de plus en plus utilisés ?</a:t>
             </a:r>
           </a:p>
         </p:txBody>
       </p:sp>
       <p:sp>
         <p:nvSpPr>
-          <p:cNvPr id="3" name="Espace réservé du contenu 2"/>
-          <p:cNvSpPr>
-            <a:spLocks noGrp="1"/>
-          </p:cNvSpPr>
-          <p:nvPr>
-            <p:ph idx="1"/>
-          </p:nvPr>
-        </p:nvSpPr>
-        <p:spPr>
-          <a:xfrm>
-            <a:off x="838200" y="1514476"/>
-            <a:ext cx="10515600" cy="4900612"/>
-          </a:xfrm>
-        </p:spPr>
-        <p:txBody>
-          <a:bodyPr>
-            <a:normAutofit/>
-          </a:bodyPr>
-          <a:lstStyle/>
-          <a:p>
-            <a:pPr marL="0" indent="0">
-              <a:buNone/>
-            </a:pPr>
-            <a:r>
-              <a:rPr lang="fr-FR" dirty="0"/>
-              <a:t> </a:t>
-            </a:r>
-          </a:p>
-          <a:p>
-            <a:r>
-              <a:rPr lang="fr-FR" dirty="0"/>
-              <a:t>La diversité des plates-formes (système d’exploitation et langages) utilisées dans les organisations</a:t>
-            </a:r>
-          </a:p>
-          <a:p>
-            <a:endParaRPr lang="fr-FR" dirty="0"/>
-          </a:p>
-          <a:p>
-            <a:r>
-              <a:rPr lang="fr-FR" dirty="0"/>
-              <a:t> Pas adapté à Internet et à l’infrastructure réseaux des entreprises (problème de passage à travers des </a:t>
-            </a:r>
-            <a:r>
-              <a:rPr lang="fr-FR" u="sng" dirty="0" err="1">
-                <a:hlinkClick r:id="rId3"/>
-              </a:rPr>
-              <a:t>FireWalls</a:t>
-            </a:r>
-            <a:r>
-              <a:rPr lang="fr-FR" dirty="0"/>
-              <a:t>, etc.) </a:t>
-            </a:r>
-          </a:p>
-          <a:p>
-            <a:pPr lvl="1"/>
-            <a:r>
-              <a:rPr lang="fr-FR"/>
-              <a:t>Les ports </a:t>
-            </a:r>
-            <a:r>
-              <a:rPr lang="fr-FR" dirty="0"/>
-              <a:t>80 et </a:t>
-            </a:r>
-            <a:r>
-              <a:rPr lang="fr-FR"/>
-              <a:t>403 liés </a:t>
-            </a:r>
-            <a:r>
-              <a:rPr lang="fr-FR" dirty="0"/>
-              <a:t>au HTTP sont </a:t>
-            </a:r>
-            <a:r>
-              <a:rPr lang="fr-FR"/>
-              <a:t>toujours configurés</a:t>
-            </a:r>
-            <a:endParaRPr lang="fr-FR" dirty="0"/>
-          </a:p>
-          <a:p>
-            <a:pPr marL="0" indent="0">
-              <a:buNone/>
-            </a:pPr>
-            <a:endParaRPr lang="fr-FR" dirty="0"/>
-          </a:p>
-          <a:p>
-            <a:r>
-              <a:rPr lang="fr-FR" dirty="0"/>
-              <a:t>Offrent des solutions caractérisées par un couplage fort entre les objets (difficulté de faire évoluer)</a:t>
-            </a:r>
-          </a:p>
-          <a:p>
-            <a:endParaRPr lang="fr-FR" dirty="0"/>
-          </a:p>
-        </p:txBody>
-      </p:sp>
-      <p:sp>
-        <p:nvSpPr>
-          <p:cNvPr id="4" name="Espace réservé du numéro de diapositive 3"/>
+          <p:cNvPr id="3" name="Espace réservé du numéro de diapositive 2"/>
           <p:cNvSpPr>
             <a:spLocks noGrp="1"/>
           </p:cNvSpPr>
@@ -22521,7 +23152,7 @@
     </p:spTree>
     <p:extLst>
       <p:ext uri="{BB962C8B-B14F-4D97-AF65-F5344CB8AC3E}">
-        <p14:creationId xmlns:p14="http://schemas.microsoft.com/office/powerpoint/2010/main" val="2426227970"/>
+        <p14:creationId xmlns:p14="http://schemas.microsoft.com/office/powerpoint/2010/main" val="3325677601"/>
       </p:ext>
     </p:extLst>
   </p:cSld>
@@ -22565,6 +23196,177 @@
           <a:p>
             <a:r>
               <a:rPr lang="fr-FR" dirty="0"/>
+              <a:t>Les anciennes technologie ont des défauts</a:t>
+            </a:r>
+          </a:p>
+        </p:txBody>
+      </p:sp>
+      <p:sp>
+        <p:nvSpPr>
+          <p:cNvPr id="3" name="Espace réservé du contenu 2"/>
+          <p:cNvSpPr>
+            <a:spLocks noGrp="1"/>
+          </p:cNvSpPr>
+          <p:nvPr>
+            <p:ph idx="1"/>
+          </p:nvPr>
+        </p:nvSpPr>
+        <p:spPr>
+          <a:xfrm>
+            <a:off x="838200" y="1514476"/>
+            <a:ext cx="10515600" cy="4900612"/>
+          </a:xfrm>
+        </p:spPr>
+        <p:txBody>
+          <a:bodyPr>
+            <a:normAutofit/>
+          </a:bodyPr>
+          <a:lstStyle/>
+          <a:p>
+            <a:pPr marL="0" indent="0">
+              <a:buNone/>
+            </a:pPr>
+            <a:r>
+              <a:rPr lang="fr-FR" dirty="0"/>
+              <a:t> </a:t>
+            </a:r>
+          </a:p>
+          <a:p>
+            <a:r>
+              <a:rPr lang="fr-FR" dirty="0"/>
+              <a:t>La diversité des plates-formes (système d’exploitation et langages) utilisées dans les organisations</a:t>
+            </a:r>
+          </a:p>
+          <a:p>
+            <a:endParaRPr lang="fr-FR" dirty="0"/>
+          </a:p>
+          <a:p>
+            <a:r>
+              <a:rPr lang="fr-FR" dirty="0"/>
+              <a:t> Pas adapté à Internet et à l’infrastructure réseaux des entreprises (problème de passage à travers des </a:t>
+            </a:r>
+            <a:r>
+              <a:rPr lang="fr-FR" u="sng" dirty="0" err="1">
+                <a:hlinkClick r:id="rId3"/>
+              </a:rPr>
+              <a:t>FireWalls</a:t>
+            </a:r>
+            <a:r>
+              <a:rPr lang="fr-FR" dirty="0"/>
+              <a:t>, etc.) </a:t>
+            </a:r>
+          </a:p>
+          <a:p>
+            <a:pPr lvl="1"/>
+            <a:r>
+              <a:rPr lang="fr-FR"/>
+              <a:t>Les ports </a:t>
+            </a:r>
+            <a:r>
+              <a:rPr lang="fr-FR" dirty="0"/>
+              <a:t>80 et </a:t>
+            </a:r>
+            <a:r>
+              <a:rPr lang="fr-FR"/>
+              <a:t>403 liés </a:t>
+            </a:r>
+            <a:r>
+              <a:rPr lang="fr-FR" dirty="0"/>
+              <a:t>au HTTP sont </a:t>
+            </a:r>
+            <a:r>
+              <a:rPr lang="fr-FR"/>
+              <a:t>toujours configurés</a:t>
+            </a:r>
+            <a:endParaRPr lang="fr-FR" dirty="0"/>
+          </a:p>
+          <a:p>
+            <a:pPr marL="0" indent="0">
+              <a:buNone/>
+            </a:pPr>
+            <a:endParaRPr lang="fr-FR" dirty="0"/>
+          </a:p>
+          <a:p>
+            <a:r>
+              <a:rPr lang="fr-FR" dirty="0"/>
+              <a:t>Offrent des solutions caractérisées par un couplage fort entre les objets (difficulté de faire évoluer)</a:t>
+            </a:r>
+          </a:p>
+          <a:p>
+            <a:endParaRPr lang="fr-FR" dirty="0"/>
+          </a:p>
+        </p:txBody>
+      </p:sp>
+      <p:sp>
+        <p:nvSpPr>
+          <p:cNvPr id="4" name="Espace réservé du numéro de diapositive 3"/>
+          <p:cNvSpPr>
+            <a:spLocks noGrp="1"/>
+          </p:cNvSpPr>
+          <p:nvPr>
+            <p:ph type="sldNum" sz="quarter" idx="12"/>
+          </p:nvPr>
+        </p:nvSpPr>
+        <p:spPr/>
+        <p:txBody>
+          <a:bodyPr/>
+          <a:lstStyle/>
+          <a:p>
+            <a:fld id="{B79E4878-4BCB-449E-94CF-AE2A0F6BB533}" type="slidenum">
+              <a:rPr lang="fr-FR" smtClean="0"/>
+              <a:t>32</a:t>
+            </a:fld>
+            <a:endParaRPr lang="fr-FR"/>
+          </a:p>
+        </p:txBody>
+      </p:sp>
+    </p:spTree>
+    <p:extLst>
+      <p:ext uri="{BB962C8B-B14F-4D97-AF65-F5344CB8AC3E}">
+        <p14:creationId xmlns:p14="http://schemas.microsoft.com/office/powerpoint/2010/main" val="2426227970"/>
+      </p:ext>
+    </p:extLst>
+  </p:cSld>
+  <p:clrMapOvr>
+    <a:masterClrMapping/>
+  </p:clrMapOvr>
+</p:sld>
+</file>
+
+<file path=ppt/slides/slide33.xml><?xml version="1.0" encoding="utf-8"?>
+<p:sld xmlns:a="http://schemas.openxmlformats.org/drawingml/2006/main" xmlns:r="http://schemas.openxmlformats.org/officeDocument/2006/relationships" xmlns:p="http://schemas.openxmlformats.org/presentationml/2006/main">
+  <p:cSld>
+    <p:spTree>
+      <p:nvGrpSpPr>
+        <p:cNvPr id="1" name=""/>
+        <p:cNvGrpSpPr/>
+        <p:nvPr/>
+      </p:nvGrpSpPr>
+      <p:grpSpPr>
+        <a:xfrm>
+          <a:off x="0" y="0"/>
+          <a:ext cx="0" cy="0"/>
+          <a:chOff x="0" y="0"/>
+          <a:chExt cx="0" cy="0"/>
+        </a:xfrm>
+      </p:grpSpPr>
+      <p:sp>
+        <p:nvSpPr>
+          <p:cNvPr id="2" name="Titre 1"/>
+          <p:cNvSpPr>
+            <a:spLocks noGrp="1"/>
+          </p:cNvSpPr>
+          <p:nvPr>
+            <p:ph type="title"/>
+          </p:nvPr>
+        </p:nvSpPr>
+        <p:spPr/>
+        <p:txBody>
+          <a:bodyPr/>
+          <a:lstStyle/>
+          <a:p>
+            <a:r>
+              <a:rPr lang="fr-FR" dirty="0"/>
               <a:t>Avantages des Web Services</a:t>
             </a:r>
           </a:p>
@@ -22683,7 +23485,7 @@
           <a:p>
             <a:fld id="{B79E4878-4BCB-449E-94CF-AE2A0F6BB533}" type="slidenum">
               <a:rPr lang="fr-FR" smtClean="0"/>
-              <a:t>32</a:t>
+              <a:t>33</a:t>
             </a:fld>
             <a:endParaRPr lang="fr-FR"/>
           </a:p>
@@ -22702,7 +23504,7 @@
 </p:sld>
 </file>
 
-<file path=ppt/slides/slide33.xml><?xml version="1.0" encoding="utf-8"?>
+<file path=ppt/slides/slide34.xml><?xml version="1.0" encoding="utf-8"?>
 <p:sld xmlns:a="http://schemas.openxmlformats.org/drawingml/2006/main" xmlns:r="http://schemas.openxmlformats.org/officeDocument/2006/relationships" xmlns:p="http://schemas.openxmlformats.org/presentationml/2006/main">
   <p:cSld>
     <p:spTree>
@@ -23763,7 +24565,7 @@
           <a:p>
             <a:fld id="{B79E4878-4BCB-449E-94CF-AE2A0F6BB533}" type="slidenum">
               <a:rPr lang="fr-FR" smtClean="0"/>
-              <a:t>33</a:t>
+              <a:t>34</a:t>
             </a:fld>
             <a:endParaRPr lang="fr-FR"/>
           </a:p>
@@ -23782,7 +24584,7 @@
 </p:sld>
 </file>
 
-<file path=ppt/slides/slide34.xml><?xml version="1.0" encoding="utf-8"?>
+<file path=ppt/slides/slide35.xml><?xml version="1.0" encoding="utf-8"?>
 <p:sld xmlns:a="http://schemas.openxmlformats.org/drawingml/2006/main" xmlns:r="http://schemas.openxmlformats.org/officeDocument/2006/relationships" xmlns:p="http://schemas.openxmlformats.org/presentationml/2006/main">
   <p:cSld>
     <p:spTree>
@@ -23853,7 +24655,7 @@
           <a:p>
             <a:fld id="{B79E4878-4BCB-449E-94CF-AE2A0F6BB533}" type="slidenum">
               <a:rPr lang="fr-FR" smtClean="0"/>
-              <a:t>34</a:t>
+              <a:t>35</a:t>
             </a:fld>
             <a:endParaRPr lang="fr-FR"/>
           </a:p>
@@ -23872,7 +24674,7 @@
 </p:sld>
 </file>
 
-<file path=ppt/slides/slide35.xml><?xml version="1.0" encoding="utf-8"?>
+<file path=ppt/slides/slide36.xml><?xml version="1.0" encoding="utf-8"?>
 <p:sld xmlns:a="http://schemas.openxmlformats.org/drawingml/2006/main" xmlns:r="http://schemas.openxmlformats.org/officeDocument/2006/relationships" xmlns:p="http://schemas.openxmlformats.org/presentationml/2006/main">
   <p:cSld>
     <p:spTree>
@@ -24101,7 +24903,7 @@
           <a:p>
             <a:fld id="{B79E4878-4BCB-449E-94CF-AE2A0F6BB533}" type="slidenum">
               <a:rPr lang="fr-FR" smtClean="0"/>
-              <a:t>35</a:t>
+              <a:t>36</a:t>
             </a:fld>
             <a:endParaRPr lang="fr-FR"/>
           </a:p>
@@ -24120,7 +24922,7 @@
 </p:sld>
 </file>
 
-<file path=ppt/slides/slide36.xml><?xml version="1.0" encoding="utf-8"?>
+<file path=ppt/slides/slide37.xml><?xml version="1.0" encoding="utf-8"?>
 <p:sld xmlns:a="http://schemas.openxmlformats.org/drawingml/2006/main" xmlns:r="http://schemas.openxmlformats.org/officeDocument/2006/relationships" xmlns:p="http://schemas.openxmlformats.org/presentationml/2006/main">
   <p:cSld>
     <p:spTree>
@@ -24489,7 +25291,7 @@
           <a:p>
             <a:fld id="{B79E4878-4BCB-449E-94CF-AE2A0F6BB533}" type="slidenum">
               <a:rPr lang="fr-FR" smtClean="0"/>
-              <a:t>36</a:t>
+              <a:t>37</a:t>
             </a:fld>
             <a:endParaRPr lang="fr-FR"/>
           </a:p>
@@ -24508,7 +25310,7 @@
 </p:sld>
 </file>
 
-<file path=ppt/slides/slide37.xml><?xml version="1.0" encoding="utf-8"?>
+<file path=ppt/slides/slide38.xml><?xml version="1.0" encoding="utf-8"?>
 <p:sld xmlns:a="http://schemas.openxmlformats.org/drawingml/2006/main" xmlns:r="http://schemas.openxmlformats.org/officeDocument/2006/relationships" xmlns:p="http://schemas.openxmlformats.org/presentationml/2006/main">
   <p:cSld>
     <p:spTree>
@@ -24701,7 +25503,7 @@
           <a:p>
             <a:fld id="{B79E4878-4BCB-449E-94CF-AE2A0F6BB533}" type="slidenum">
               <a:rPr lang="fr-FR" smtClean="0"/>
-              <a:t>37</a:t>
+              <a:t>38</a:t>
             </a:fld>
             <a:endParaRPr lang="fr-FR"/>
           </a:p>
@@ -24720,7 +25522,7 @@
 </p:sld>
 </file>
 
-<file path=ppt/slides/slide38.xml><?xml version="1.0" encoding="utf-8"?>
+<file path=ppt/slides/slide39.xml><?xml version="1.0" encoding="utf-8"?>
 <p:sld xmlns:a="http://schemas.openxmlformats.org/drawingml/2006/main" xmlns:r="http://schemas.openxmlformats.org/officeDocument/2006/relationships" xmlns:p="http://schemas.openxmlformats.org/presentationml/2006/main">
   <p:cSld>
     <p:spTree>
@@ -25126,7 +25928,7 @@
           <a:p>
             <a:fld id="{B79E4878-4BCB-449E-94CF-AE2A0F6BB533}" type="slidenum">
               <a:rPr lang="fr-FR" smtClean="0"/>
-              <a:t>38</a:t>
+              <a:t>39</a:t>
             </a:fld>
             <a:endParaRPr lang="fr-FR"/>
           </a:p>
@@ -25136,348 +25938,6 @@
     <p:extLst>
       <p:ext uri="{BB962C8B-B14F-4D97-AF65-F5344CB8AC3E}">
         <p14:creationId xmlns:p14="http://schemas.microsoft.com/office/powerpoint/2010/main" val="2543981531"/>
-      </p:ext>
-    </p:extLst>
-  </p:cSld>
-  <p:clrMapOvr>
-    <a:masterClrMapping/>
-  </p:clrMapOvr>
-</p:sld>
-</file>
-
-<file path=ppt/slides/slide39.xml><?xml version="1.0" encoding="utf-8"?>
-<p:sld xmlns:a="http://schemas.openxmlformats.org/drawingml/2006/main" xmlns:r="http://schemas.openxmlformats.org/officeDocument/2006/relationships" xmlns:p="http://schemas.openxmlformats.org/presentationml/2006/main">
-  <p:cSld>
-    <p:spTree>
-      <p:nvGrpSpPr>
-        <p:cNvPr id="1" name=""/>
-        <p:cNvGrpSpPr/>
-        <p:nvPr/>
-      </p:nvGrpSpPr>
-      <p:grpSpPr>
-        <a:xfrm>
-          <a:off x="0" y="0"/>
-          <a:ext cx="0" cy="0"/>
-          <a:chOff x="0" y="0"/>
-          <a:chExt cx="0" cy="0"/>
-        </a:xfrm>
-      </p:grpSpPr>
-      <p:sp>
-        <p:nvSpPr>
-          <p:cNvPr id="2" name="Titre 1"/>
-          <p:cNvSpPr>
-            <a:spLocks noGrp="1"/>
-          </p:cNvSpPr>
-          <p:nvPr>
-            <p:ph type="title"/>
-          </p:nvPr>
-        </p:nvSpPr>
-        <p:spPr/>
-        <p:txBody>
-          <a:bodyPr/>
-          <a:lstStyle/>
-          <a:p>
-            <a:r>
-              <a:rPr lang="fr-FR" b="1" dirty="0"/>
-              <a:t>Le corps SOAP</a:t>
-            </a:r>
-          </a:p>
-        </p:txBody>
-      </p:sp>
-      <p:sp>
-        <p:nvSpPr>
-          <p:cNvPr id="3" name="Espace réservé du contenu 2"/>
-          <p:cNvSpPr>
-            <a:spLocks noGrp="1"/>
-          </p:cNvSpPr>
-          <p:nvPr>
-            <p:ph idx="1"/>
-          </p:nvPr>
-        </p:nvSpPr>
-        <p:spPr>
-          <a:xfrm>
-            <a:off x="6786561" y="1414896"/>
-            <a:ext cx="5330825" cy="5443104"/>
-          </a:xfrm>
-        </p:spPr>
-        <p:txBody>
-          <a:bodyPr>
-            <a:normAutofit fontScale="77500" lnSpcReduction="20000"/>
-          </a:bodyPr>
-          <a:lstStyle/>
-          <a:p>
-            <a:r>
-              <a:rPr lang="fr-FR" dirty="0"/>
-              <a:t>Le corps SOAP est un élément obligatoire dans le message SOAP. Il contient l'information destinée au receveur. </a:t>
-            </a:r>
-          </a:p>
-          <a:p>
-            <a:r>
-              <a:rPr lang="fr-FR" dirty="0"/>
-              <a:t>Le contenu du corps SOAP est utilisé pour spécifier un appel de méthode à un ordinateur distant avec les valeurs de paramètre. </a:t>
-            </a:r>
-          </a:p>
-          <a:p>
-            <a:pPr lvl="1"/>
-            <a:r>
-              <a:rPr lang="fr-FR" dirty="0"/>
-              <a:t>Il commence avec la balise &lt;</a:t>
-            </a:r>
-            <a:r>
-              <a:rPr lang="fr-FR" dirty="0" err="1"/>
-              <a:t>soap:Body</a:t>
-            </a:r>
-            <a:r>
-              <a:rPr lang="fr-FR" dirty="0"/>
-              <a:t>&gt; et se termine avec la balise &lt;/</a:t>
-            </a:r>
-            <a:r>
-              <a:rPr lang="fr-FR" dirty="0" err="1"/>
-              <a:t>soap:Body</a:t>
-            </a:r>
-            <a:r>
-              <a:rPr lang="fr-FR" dirty="0"/>
-              <a:t>&gt;.</a:t>
-            </a:r>
-          </a:p>
-          <a:p>
-            <a:r>
-              <a:rPr lang="fr-FR" dirty="0"/>
-              <a:t>L'élément &lt;</a:t>
-            </a:r>
-            <a:r>
-              <a:rPr lang="fr-FR" dirty="0" err="1"/>
-              <a:t>wsc:addition</a:t>
-            </a:r>
-            <a:r>
-              <a:rPr lang="fr-FR" dirty="0"/>
-              <a:t>&gt; fournit le nom de la méthode a appeler : « addition ». </a:t>
-            </a:r>
-          </a:p>
-          <a:p>
-            <a:pPr lvl="1"/>
-            <a:r>
-              <a:rPr lang="fr-FR" dirty="0"/>
-              <a:t>Les élément « a » et « b » sont des paramètres lui sont passés. </a:t>
-            </a:r>
-          </a:p>
-          <a:p>
-            <a:pPr lvl="1"/>
-            <a:r>
-              <a:rPr lang="fr-FR" dirty="0"/>
-              <a:t>Les attributs </a:t>
-            </a:r>
-            <a:r>
-              <a:rPr lang="fr-FR" dirty="0" err="1"/>
-              <a:t>xsi</a:t>
-            </a:r>
-            <a:r>
-              <a:rPr lang="fr-FR" dirty="0"/>
-              <a:t> et </a:t>
-            </a:r>
-            <a:r>
-              <a:rPr lang="fr-FR" dirty="0" err="1"/>
-              <a:t>xsd</a:t>
-            </a:r>
-            <a:r>
-              <a:rPr lang="fr-FR" dirty="0"/>
-              <a:t> définissent les espaces de noms qui vont être utilisés dans le corps du message. La définition de </a:t>
-            </a:r>
-            <a:r>
-              <a:rPr lang="fr-FR" dirty="0" err="1"/>
-              <a:t>xsi</a:t>
-            </a:r>
-            <a:r>
-              <a:rPr lang="fr-FR" dirty="0"/>
-              <a:t> permet d'utiliser </a:t>
-            </a:r>
-            <a:r>
-              <a:rPr lang="fr-FR" dirty="0" err="1"/>
-              <a:t>xsi:type</a:t>
-            </a:r>
-            <a:r>
-              <a:rPr lang="fr-FR" dirty="0"/>
-              <a:t> dans le corps du message, le </a:t>
-            </a:r>
-            <a:r>
-              <a:rPr lang="fr-FR" dirty="0" err="1"/>
-              <a:t>xsd:int</a:t>
-            </a:r>
-            <a:r>
-              <a:rPr lang="fr-FR" dirty="0"/>
-              <a:t> signifie que cette valeur est de type entier. </a:t>
-            </a:r>
-          </a:p>
-        </p:txBody>
-      </p:sp>
-      <p:pic>
-        <p:nvPicPr>
-          <p:cNvPr id="9" name="Image 8"/>
-          <p:cNvPicPr>
-            <a:picLocks noChangeAspect="1"/>
-          </p:cNvPicPr>
-          <p:nvPr/>
-        </p:nvPicPr>
-        <p:blipFill>
-          <a:blip r:embed="rId2"/>
-          <a:stretch>
-            <a:fillRect/>
-          </a:stretch>
-        </p:blipFill>
-        <p:spPr>
-          <a:xfrm>
-            <a:off x="222008" y="1414895"/>
-            <a:ext cx="5947016" cy="2548389"/>
-          </a:xfrm>
-          <a:prstGeom prst="rect">
-            <a:avLst/>
-          </a:prstGeom>
-        </p:spPr>
-      </p:pic>
-      <p:sp>
-        <p:nvSpPr>
-          <p:cNvPr id="10" name="ZoneTexte 9"/>
-          <p:cNvSpPr txBox="1"/>
-          <p:nvPr/>
-        </p:nvSpPr>
-        <p:spPr>
-          <a:xfrm>
-            <a:off x="652462" y="4026515"/>
-            <a:ext cx="5330825" cy="2431435"/>
-          </a:xfrm>
-          <a:prstGeom prst="rect">
-            <a:avLst/>
-          </a:prstGeom>
-          <a:noFill/>
-        </p:spPr>
-        <p:txBody>
-          <a:bodyPr wrap="square" rtlCol="0">
-            <a:spAutoFit/>
-          </a:bodyPr>
-          <a:lstStyle/>
-          <a:p>
-            <a:r>
-              <a:rPr lang="fr-FR" sz="2400" dirty="0"/>
-              <a:t>L'extrait suivant représente un corps SOAP qui fait appel de procédure distante (RPC) à une méthode appelée « addition ».</a:t>
-            </a:r>
-          </a:p>
-          <a:p>
-            <a:endParaRPr lang="fr-FR" sz="2800" dirty="0">
-              <a:solidFill>
-                <a:schemeClr val="accent1">
-                  <a:lumMod val="75000"/>
-                </a:schemeClr>
-              </a:solidFill>
-            </a:endParaRPr>
-          </a:p>
-          <a:p>
-            <a:r>
-              <a:rPr lang="fr-FR" sz="2800" dirty="0" err="1">
-                <a:solidFill>
-                  <a:schemeClr val="accent1">
-                    <a:lumMod val="75000"/>
-                  </a:schemeClr>
-                </a:solidFill>
-              </a:rPr>
-              <a:t>int</a:t>
-            </a:r>
-            <a:r>
-              <a:rPr lang="fr-FR" sz="2800" dirty="0">
-                <a:solidFill>
-                  <a:schemeClr val="accent1">
-                    <a:lumMod val="75000"/>
-                  </a:schemeClr>
-                </a:solidFill>
-              </a:rPr>
-              <a:t> </a:t>
-            </a:r>
-            <a:r>
-              <a:rPr lang="fr-FR" sz="2800" dirty="0" err="1">
-                <a:solidFill>
-                  <a:schemeClr val="accent1">
-                    <a:lumMod val="75000"/>
-                  </a:schemeClr>
-                </a:solidFill>
-              </a:rPr>
-              <a:t>result</a:t>
-            </a:r>
-            <a:r>
-              <a:rPr lang="fr-FR" sz="2800" dirty="0">
-                <a:solidFill>
-                  <a:schemeClr val="accent1">
-                    <a:lumMod val="75000"/>
-                  </a:schemeClr>
-                </a:solidFill>
-              </a:rPr>
-              <a:t> = addition(2, 3);</a:t>
-            </a:r>
-          </a:p>
-        </p:txBody>
-      </p:sp>
-      <p:cxnSp>
-        <p:nvCxnSpPr>
-          <p:cNvPr id="6" name="Connecteur droit 5"/>
-          <p:cNvCxnSpPr>
-            <a:cxnSpLocks/>
-          </p:cNvCxnSpPr>
-          <p:nvPr/>
-        </p:nvCxnSpPr>
-        <p:spPr>
-          <a:xfrm>
-            <a:off x="6477793" y="887881"/>
-            <a:ext cx="0" cy="5570069"/>
-          </a:xfrm>
-          <a:prstGeom prst="line">
-            <a:avLst/>
-          </a:prstGeom>
-          <a:ln w="25400">
-            <a:solidFill>
-              <a:schemeClr val="tx1"/>
-            </a:solidFill>
-          </a:ln>
-        </p:spPr>
-        <p:style>
-          <a:lnRef idx="1">
-            <a:schemeClr val="accent1"/>
-          </a:lnRef>
-          <a:fillRef idx="0">
-            <a:schemeClr val="accent1"/>
-          </a:fillRef>
-          <a:effectRef idx="0">
-            <a:schemeClr val="accent1"/>
-          </a:effectRef>
-          <a:fontRef idx="minor">
-            <a:schemeClr val="tx1"/>
-          </a:fontRef>
-        </p:style>
-      </p:cxnSp>
-      <p:sp>
-        <p:nvSpPr>
-          <p:cNvPr id="4" name="Espace réservé du numéro de diapositive 3"/>
-          <p:cNvSpPr>
-            <a:spLocks noGrp="1"/>
-          </p:cNvSpPr>
-          <p:nvPr>
-            <p:ph type="sldNum" sz="quarter" idx="12"/>
-          </p:nvPr>
-        </p:nvSpPr>
-        <p:spPr/>
-        <p:txBody>
-          <a:bodyPr/>
-          <a:lstStyle/>
-          <a:p>
-            <a:fld id="{B79E4878-4BCB-449E-94CF-AE2A0F6BB533}" type="slidenum">
-              <a:rPr lang="fr-FR" smtClean="0"/>
-              <a:t>39</a:t>
-            </a:fld>
-            <a:endParaRPr lang="fr-FR"/>
-          </a:p>
-        </p:txBody>
-      </p:sp>
-    </p:spTree>
-    <p:extLst>
-      <p:ext uri="{BB962C8B-B14F-4D97-AF65-F5344CB8AC3E}">
-        <p14:creationId xmlns:p14="http://schemas.microsoft.com/office/powerpoint/2010/main" val="1097464209"/>
       </p:ext>
     </p:extLst>
   </p:cSld>
@@ -26041,6 +26501,348 @@
             <p:ph type="title"/>
           </p:nvPr>
         </p:nvSpPr>
+        <p:spPr/>
+        <p:txBody>
+          <a:bodyPr/>
+          <a:lstStyle/>
+          <a:p>
+            <a:r>
+              <a:rPr lang="fr-FR" b="1" dirty="0"/>
+              <a:t>Le corps SOAP</a:t>
+            </a:r>
+          </a:p>
+        </p:txBody>
+      </p:sp>
+      <p:sp>
+        <p:nvSpPr>
+          <p:cNvPr id="3" name="Espace réservé du contenu 2"/>
+          <p:cNvSpPr>
+            <a:spLocks noGrp="1"/>
+          </p:cNvSpPr>
+          <p:nvPr>
+            <p:ph idx="1"/>
+          </p:nvPr>
+        </p:nvSpPr>
+        <p:spPr>
+          <a:xfrm>
+            <a:off x="6786561" y="1414896"/>
+            <a:ext cx="5330825" cy="5443104"/>
+          </a:xfrm>
+        </p:spPr>
+        <p:txBody>
+          <a:bodyPr>
+            <a:normAutofit fontScale="77500" lnSpcReduction="20000"/>
+          </a:bodyPr>
+          <a:lstStyle/>
+          <a:p>
+            <a:r>
+              <a:rPr lang="fr-FR" dirty="0"/>
+              <a:t>Le corps SOAP est un élément obligatoire dans le message SOAP. Il contient l'information destinée au receveur. </a:t>
+            </a:r>
+          </a:p>
+          <a:p>
+            <a:r>
+              <a:rPr lang="fr-FR" dirty="0"/>
+              <a:t>Le contenu du corps SOAP est utilisé pour spécifier un appel de méthode à un ordinateur distant avec les valeurs de paramètre. </a:t>
+            </a:r>
+          </a:p>
+          <a:p>
+            <a:pPr lvl="1"/>
+            <a:r>
+              <a:rPr lang="fr-FR" dirty="0"/>
+              <a:t>Il commence avec la balise &lt;</a:t>
+            </a:r>
+            <a:r>
+              <a:rPr lang="fr-FR" dirty="0" err="1"/>
+              <a:t>soap:Body</a:t>
+            </a:r>
+            <a:r>
+              <a:rPr lang="fr-FR" dirty="0"/>
+              <a:t>&gt; et se termine avec la balise &lt;/</a:t>
+            </a:r>
+            <a:r>
+              <a:rPr lang="fr-FR" dirty="0" err="1"/>
+              <a:t>soap:Body</a:t>
+            </a:r>
+            <a:r>
+              <a:rPr lang="fr-FR" dirty="0"/>
+              <a:t>&gt;.</a:t>
+            </a:r>
+          </a:p>
+          <a:p>
+            <a:r>
+              <a:rPr lang="fr-FR" dirty="0"/>
+              <a:t>L'élément &lt;</a:t>
+            </a:r>
+            <a:r>
+              <a:rPr lang="fr-FR" dirty="0" err="1"/>
+              <a:t>wsc:addition</a:t>
+            </a:r>
+            <a:r>
+              <a:rPr lang="fr-FR" dirty="0"/>
+              <a:t>&gt; fournit le nom de la méthode a appeler : « addition ». </a:t>
+            </a:r>
+          </a:p>
+          <a:p>
+            <a:pPr lvl="1"/>
+            <a:r>
+              <a:rPr lang="fr-FR" dirty="0"/>
+              <a:t>Les élément « a » et « b » sont des paramètres lui sont passés. </a:t>
+            </a:r>
+          </a:p>
+          <a:p>
+            <a:pPr lvl="1"/>
+            <a:r>
+              <a:rPr lang="fr-FR" dirty="0"/>
+              <a:t>Les attributs </a:t>
+            </a:r>
+            <a:r>
+              <a:rPr lang="fr-FR" dirty="0" err="1"/>
+              <a:t>xsi</a:t>
+            </a:r>
+            <a:r>
+              <a:rPr lang="fr-FR" dirty="0"/>
+              <a:t> et </a:t>
+            </a:r>
+            <a:r>
+              <a:rPr lang="fr-FR" dirty="0" err="1"/>
+              <a:t>xsd</a:t>
+            </a:r>
+            <a:r>
+              <a:rPr lang="fr-FR" dirty="0"/>
+              <a:t> définissent les espaces de noms qui vont être utilisés dans le corps du message. La définition de </a:t>
+            </a:r>
+            <a:r>
+              <a:rPr lang="fr-FR" dirty="0" err="1"/>
+              <a:t>xsi</a:t>
+            </a:r>
+            <a:r>
+              <a:rPr lang="fr-FR" dirty="0"/>
+              <a:t> permet d'utiliser </a:t>
+            </a:r>
+            <a:r>
+              <a:rPr lang="fr-FR" dirty="0" err="1"/>
+              <a:t>xsi:type</a:t>
+            </a:r>
+            <a:r>
+              <a:rPr lang="fr-FR" dirty="0"/>
+              <a:t> dans le corps du message, le </a:t>
+            </a:r>
+            <a:r>
+              <a:rPr lang="fr-FR" dirty="0" err="1"/>
+              <a:t>xsd:int</a:t>
+            </a:r>
+            <a:r>
+              <a:rPr lang="fr-FR" dirty="0"/>
+              <a:t> signifie que cette valeur est de type entier. </a:t>
+            </a:r>
+          </a:p>
+        </p:txBody>
+      </p:sp>
+      <p:pic>
+        <p:nvPicPr>
+          <p:cNvPr id="9" name="Image 8"/>
+          <p:cNvPicPr>
+            <a:picLocks noChangeAspect="1"/>
+          </p:cNvPicPr>
+          <p:nvPr/>
+        </p:nvPicPr>
+        <p:blipFill>
+          <a:blip r:embed="rId2"/>
+          <a:stretch>
+            <a:fillRect/>
+          </a:stretch>
+        </p:blipFill>
+        <p:spPr>
+          <a:xfrm>
+            <a:off x="222008" y="1414895"/>
+            <a:ext cx="5947016" cy="2548389"/>
+          </a:xfrm>
+          <a:prstGeom prst="rect">
+            <a:avLst/>
+          </a:prstGeom>
+        </p:spPr>
+      </p:pic>
+      <p:sp>
+        <p:nvSpPr>
+          <p:cNvPr id="10" name="ZoneTexte 9"/>
+          <p:cNvSpPr txBox="1"/>
+          <p:nvPr/>
+        </p:nvSpPr>
+        <p:spPr>
+          <a:xfrm>
+            <a:off x="652462" y="4026515"/>
+            <a:ext cx="5330825" cy="2431435"/>
+          </a:xfrm>
+          <a:prstGeom prst="rect">
+            <a:avLst/>
+          </a:prstGeom>
+          <a:noFill/>
+        </p:spPr>
+        <p:txBody>
+          <a:bodyPr wrap="square" rtlCol="0">
+            <a:spAutoFit/>
+          </a:bodyPr>
+          <a:lstStyle/>
+          <a:p>
+            <a:r>
+              <a:rPr lang="fr-FR" sz="2400" dirty="0"/>
+              <a:t>L'extrait suivant représente un corps SOAP qui fait appel de procédure distante (RPC) à une méthode appelée « addition ».</a:t>
+            </a:r>
+          </a:p>
+          <a:p>
+            <a:endParaRPr lang="fr-FR" sz="2800" dirty="0">
+              <a:solidFill>
+                <a:schemeClr val="accent1">
+                  <a:lumMod val="75000"/>
+                </a:schemeClr>
+              </a:solidFill>
+            </a:endParaRPr>
+          </a:p>
+          <a:p>
+            <a:r>
+              <a:rPr lang="fr-FR" sz="2800" dirty="0" err="1">
+                <a:solidFill>
+                  <a:schemeClr val="accent1">
+                    <a:lumMod val="75000"/>
+                  </a:schemeClr>
+                </a:solidFill>
+              </a:rPr>
+              <a:t>int</a:t>
+            </a:r>
+            <a:r>
+              <a:rPr lang="fr-FR" sz="2800" dirty="0">
+                <a:solidFill>
+                  <a:schemeClr val="accent1">
+                    <a:lumMod val="75000"/>
+                  </a:schemeClr>
+                </a:solidFill>
+              </a:rPr>
+              <a:t> </a:t>
+            </a:r>
+            <a:r>
+              <a:rPr lang="fr-FR" sz="2800" dirty="0" err="1">
+                <a:solidFill>
+                  <a:schemeClr val="accent1">
+                    <a:lumMod val="75000"/>
+                  </a:schemeClr>
+                </a:solidFill>
+              </a:rPr>
+              <a:t>result</a:t>
+            </a:r>
+            <a:r>
+              <a:rPr lang="fr-FR" sz="2800" dirty="0">
+                <a:solidFill>
+                  <a:schemeClr val="accent1">
+                    <a:lumMod val="75000"/>
+                  </a:schemeClr>
+                </a:solidFill>
+              </a:rPr>
+              <a:t> = addition(2, 3);</a:t>
+            </a:r>
+          </a:p>
+        </p:txBody>
+      </p:sp>
+      <p:cxnSp>
+        <p:nvCxnSpPr>
+          <p:cNvPr id="6" name="Connecteur droit 5"/>
+          <p:cNvCxnSpPr>
+            <a:cxnSpLocks/>
+          </p:cNvCxnSpPr>
+          <p:nvPr/>
+        </p:nvCxnSpPr>
+        <p:spPr>
+          <a:xfrm>
+            <a:off x="6477793" y="887881"/>
+            <a:ext cx="0" cy="5570069"/>
+          </a:xfrm>
+          <a:prstGeom prst="line">
+            <a:avLst/>
+          </a:prstGeom>
+          <a:ln w="25400">
+            <a:solidFill>
+              <a:schemeClr val="tx1"/>
+            </a:solidFill>
+          </a:ln>
+        </p:spPr>
+        <p:style>
+          <a:lnRef idx="1">
+            <a:schemeClr val="accent1"/>
+          </a:lnRef>
+          <a:fillRef idx="0">
+            <a:schemeClr val="accent1"/>
+          </a:fillRef>
+          <a:effectRef idx="0">
+            <a:schemeClr val="accent1"/>
+          </a:effectRef>
+          <a:fontRef idx="minor">
+            <a:schemeClr val="tx1"/>
+          </a:fontRef>
+        </p:style>
+      </p:cxnSp>
+      <p:sp>
+        <p:nvSpPr>
+          <p:cNvPr id="4" name="Espace réservé du numéro de diapositive 3"/>
+          <p:cNvSpPr>
+            <a:spLocks noGrp="1"/>
+          </p:cNvSpPr>
+          <p:nvPr>
+            <p:ph type="sldNum" sz="quarter" idx="12"/>
+          </p:nvPr>
+        </p:nvSpPr>
+        <p:spPr/>
+        <p:txBody>
+          <a:bodyPr/>
+          <a:lstStyle/>
+          <a:p>
+            <a:fld id="{B79E4878-4BCB-449E-94CF-AE2A0F6BB533}" type="slidenum">
+              <a:rPr lang="fr-FR" smtClean="0"/>
+              <a:t>40</a:t>
+            </a:fld>
+            <a:endParaRPr lang="fr-FR"/>
+          </a:p>
+        </p:txBody>
+      </p:sp>
+    </p:spTree>
+    <p:extLst>
+      <p:ext uri="{BB962C8B-B14F-4D97-AF65-F5344CB8AC3E}">
+        <p14:creationId xmlns:p14="http://schemas.microsoft.com/office/powerpoint/2010/main" val="1097464209"/>
+      </p:ext>
+    </p:extLst>
+  </p:cSld>
+  <p:clrMapOvr>
+    <a:masterClrMapping/>
+  </p:clrMapOvr>
+</p:sld>
+</file>
+
+<file path=ppt/slides/slide41.xml><?xml version="1.0" encoding="utf-8"?>
+<p:sld xmlns:a="http://schemas.openxmlformats.org/drawingml/2006/main" xmlns:r="http://schemas.openxmlformats.org/officeDocument/2006/relationships" xmlns:p="http://schemas.openxmlformats.org/presentationml/2006/main">
+  <p:cSld>
+    <p:spTree>
+      <p:nvGrpSpPr>
+        <p:cNvPr id="1" name=""/>
+        <p:cNvGrpSpPr/>
+        <p:nvPr/>
+      </p:nvGrpSpPr>
+      <p:grpSpPr>
+        <a:xfrm>
+          <a:off x="0" y="0"/>
+          <a:ext cx="0" cy="0"/>
+          <a:chOff x="0" y="0"/>
+          <a:chExt cx="0" cy="0"/>
+        </a:xfrm>
+      </p:grpSpPr>
+      <p:sp>
+        <p:nvSpPr>
+          <p:cNvPr id="2" name="Titre 1"/>
+          <p:cNvSpPr>
+            <a:spLocks noGrp="1"/>
+          </p:cNvSpPr>
+          <p:nvPr>
+            <p:ph type="title"/>
+          </p:nvPr>
+        </p:nvSpPr>
         <p:spPr>
           <a:xfrm>
             <a:off x="325696" y="44700"/>
@@ -26305,7 +27107,7 @@
           <a:p>
             <a:fld id="{B79E4878-4BCB-449E-94CF-AE2A0F6BB533}" type="slidenum">
               <a:rPr lang="fr-FR" smtClean="0"/>
-              <a:t>40</a:t>
+              <a:t>41</a:t>
             </a:fld>
             <a:endParaRPr lang="fr-FR"/>
           </a:p>
@@ -26324,7 +27126,7 @@
 </p:sld>
 </file>
 
-<file path=ppt/slides/slide41.xml><?xml version="1.0" encoding="utf-8"?>
+<file path=ppt/slides/slide42.xml><?xml version="1.0" encoding="utf-8"?>
 <p:sld xmlns:a="http://schemas.openxmlformats.org/drawingml/2006/main" xmlns:r="http://schemas.openxmlformats.org/officeDocument/2006/relationships" xmlns:p="http://schemas.openxmlformats.org/presentationml/2006/main">
   <p:cSld>
     <p:spTree>
@@ -26557,7 +27359,7 @@
           <a:p>
             <a:fld id="{B79E4878-4BCB-449E-94CF-AE2A0F6BB533}" type="slidenum">
               <a:rPr lang="fr-FR" smtClean="0"/>
-              <a:t>41</a:t>
+              <a:t>42</a:t>
             </a:fld>
             <a:endParaRPr lang="fr-FR"/>
           </a:p>
@@ -26576,7 +27378,7 @@
 </p:sld>
 </file>
 
-<file path=ppt/slides/slide42.xml><?xml version="1.0" encoding="utf-8"?>
+<file path=ppt/slides/slide43.xml><?xml version="1.0" encoding="utf-8"?>
 <p:sld xmlns:a="http://schemas.openxmlformats.org/drawingml/2006/main" xmlns:r="http://schemas.openxmlformats.org/officeDocument/2006/relationships" xmlns:p="http://schemas.openxmlformats.org/presentationml/2006/main">
   <p:cSld>
     <p:spTree>
@@ -26910,7 +27712,7 @@
           <a:p>
             <a:fld id="{B79E4878-4BCB-449E-94CF-AE2A0F6BB533}" type="slidenum">
               <a:rPr lang="fr-FR" smtClean="0"/>
-              <a:t>42</a:t>
+              <a:t>43</a:t>
             </a:fld>
             <a:endParaRPr lang="fr-FR"/>
           </a:p>
@@ -26920,290 +27722,6 @@
     <p:extLst>
       <p:ext uri="{BB962C8B-B14F-4D97-AF65-F5344CB8AC3E}">
         <p14:creationId xmlns:p14="http://schemas.microsoft.com/office/powerpoint/2010/main" val="905156444"/>
-      </p:ext>
-    </p:extLst>
-  </p:cSld>
-  <p:clrMapOvr>
-    <a:masterClrMapping/>
-  </p:clrMapOvr>
-</p:sld>
-</file>
-
-<file path=ppt/slides/slide43.xml><?xml version="1.0" encoding="utf-8"?>
-<p:sld xmlns:a="http://schemas.openxmlformats.org/drawingml/2006/main" xmlns:r="http://schemas.openxmlformats.org/officeDocument/2006/relationships" xmlns:p="http://schemas.openxmlformats.org/presentationml/2006/main">
-  <p:cSld>
-    <p:spTree>
-      <p:nvGrpSpPr>
-        <p:cNvPr id="1" name=""/>
-        <p:cNvGrpSpPr/>
-        <p:nvPr/>
-      </p:nvGrpSpPr>
-      <p:grpSpPr>
-        <a:xfrm>
-          <a:off x="0" y="0"/>
-          <a:ext cx="0" cy="0"/>
-          <a:chOff x="0" y="0"/>
-          <a:chExt cx="0" cy="0"/>
-        </a:xfrm>
-      </p:grpSpPr>
-      <p:sp>
-        <p:nvSpPr>
-          <p:cNvPr id="2" name="Titre 1"/>
-          <p:cNvSpPr>
-            <a:spLocks noGrp="1"/>
-          </p:cNvSpPr>
-          <p:nvPr>
-            <p:ph type="title"/>
-          </p:nvPr>
-        </p:nvSpPr>
-        <p:spPr/>
-        <p:txBody>
-          <a:bodyPr/>
-          <a:lstStyle/>
-          <a:p>
-            <a:r>
-              <a:rPr lang="fr-FR" dirty="0"/>
-              <a:t>Le langage de description WSDL	</a:t>
-            </a:r>
-          </a:p>
-        </p:txBody>
-      </p:sp>
-      <p:sp>
-        <p:nvSpPr>
-          <p:cNvPr id="4" name="Espace réservé du contenu 3"/>
-          <p:cNvSpPr>
-            <a:spLocks noGrp="1"/>
-          </p:cNvSpPr>
-          <p:nvPr>
-            <p:ph idx="1"/>
-          </p:nvPr>
-        </p:nvSpPr>
-        <p:spPr>
-          <a:xfrm>
-            <a:off x="838200" y="1468620"/>
-            <a:ext cx="10515600" cy="5389380"/>
-          </a:xfrm>
-        </p:spPr>
-        <p:txBody>
-          <a:bodyPr>
-            <a:normAutofit fontScale="85000" lnSpcReduction="20000"/>
-          </a:bodyPr>
-          <a:lstStyle/>
-          <a:p>
-            <a:r>
-              <a:rPr lang="fr-FR" dirty="0"/>
-              <a:t>Le </a:t>
-            </a:r>
-            <a:r>
-              <a:rPr lang="fr-FR" b="1" dirty="0"/>
-              <a:t>WSDL</a:t>
-            </a:r>
-            <a:r>
-              <a:rPr lang="fr-FR" dirty="0"/>
-              <a:t> ou </a:t>
-            </a:r>
-            <a:r>
-              <a:rPr lang="fr-FR" b="1" dirty="0"/>
-              <a:t>Web Services Description </a:t>
-            </a:r>
-            <a:r>
-              <a:rPr lang="fr-FR" b="1" dirty="0" err="1"/>
-              <a:t>Language</a:t>
-            </a:r>
-            <a:r>
-              <a:rPr lang="fr-FR" dirty="0"/>
-              <a:t> est une grammaire </a:t>
-            </a:r>
-            <a:r>
-              <a:rPr lang="fr-FR" dirty="0">
-                <a:hlinkClick r:id="rId2" tooltip="Extensible Markup Language"/>
-              </a:rPr>
-              <a:t>XML</a:t>
-            </a:r>
-            <a:r>
-              <a:rPr lang="fr-FR" dirty="0"/>
-              <a:t> permettant de décrire un </a:t>
-            </a:r>
-            <a:r>
-              <a:rPr lang="fr-FR" dirty="0">
-                <a:hlinkClick r:id="rId3" tooltip="Service web"/>
-              </a:rPr>
-              <a:t>service web</a:t>
-            </a:r>
-            <a:r>
-              <a:rPr lang="fr-FR" dirty="0"/>
-              <a:t>. </a:t>
-            </a:r>
-          </a:p>
-          <a:p>
-            <a:pPr lvl="1"/>
-            <a:r>
-              <a:rPr lang="fr-FR" dirty="0"/>
-              <a:t>WSDL 1.1 a été proposé en 2001 au </a:t>
-            </a:r>
-            <a:r>
-              <a:rPr lang="fr-FR" dirty="0">
-                <a:hlinkClick r:id="rId4" tooltip="World Wide Web Consortium"/>
-              </a:rPr>
-              <a:t>W3C</a:t>
-            </a:r>
-            <a:r>
-              <a:rPr lang="fr-FR" dirty="0"/>
-              <a:t> pour standardisation mais n'est pas approuvée par le W3C. </a:t>
-            </a:r>
-          </a:p>
-          <a:p>
-            <a:pPr lvl="1"/>
-            <a:r>
-              <a:rPr lang="fr-FR" dirty="0"/>
-              <a:t>La version 2.0 a été approuvée le 27 juin 2007 et est désormais une recommandation officielle du W3C. </a:t>
-            </a:r>
-          </a:p>
-          <a:p>
-            <a:pPr lvl="1"/>
-            <a:endParaRPr lang="fr-FR" dirty="0"/>
-          </a:p>
-          <a:p>
-            <a:r>
-              <a:rPr lang="fr-FR" dirty="0"/>
-              <a:t>Le WSDL décrit une </a:t>
-            </a:r>
-            <a:r>
-              <a:rPr lang="fr-FR" dirty="0">
-                <a:hlinkClick r:id="rId5" tooltip="Interface"/>
-              </a:rPr>
-              <a:t>interface</a:t>
-            </a:r>
-            <a:r>
-              <a:rPr lang="fr-FR" dirty="0"/>
-              <a:t> publique d'accès à un service web, notamment dans le cadre d'architectures de type </a:t>
-            </a:r>
-            <a:r>
-              <a:rPr lang="fr-FR" dirty="0">
-                <a:hlinkClick r:id="rId6" tooltip="Service Oriented Architecture"/>
-              </a:rPr>
-              <a:t>SOA</a:t>
-            </a:r>
-            <a:r>
-              <a:rPr lang="fr-FR" dirty="0"/>
-              <a:t> (</a:t>
-            </a:r>
-            <a:r>
-              <a:rPr lang="fr-FR" i="1" dirty="0"/>
-              <a:t>Service </a:t>
-            </a:r>
-            <a:r>
-              <a:rPr lang="fr-FR" i="1" dirty="0" err="1"/>
-              <a:t>Oriented</a:t>
-            </a:r>
-            <a:r>
-              <a:rPr lang="fr-FR" i="1" dirty="0"/>
-              <a:t> Architecture</a:t>
-            </a:r>
-            <a:r>
-              <a:rPr lang="fr-FR" dirty="0"/>
-              <a:t>). C'est une description fondée sur le XML qui indique « comment communiquer pour utiliser le service ».</a:t>
-            </a:r>
-          </a:p>
-          <a:p>
-            <a:endParaRPr lang="fr-FR" dirty="0"/>
-          </a:p>
-          <a:p>
-            <a:r>
-              <a:rPr lang="fr-FR" dirty="0"/>
-              <a:t>Le WSDL sert à décrire :</a:t>
-            </a:r>
-          </a:p>
-          <a:p>
-            <a:pPr lvl="1"/>
-            <a:r>
-              <a:rPr lang="fr-FR" dirty="0"/>
-              <a:t>le </a:t>
-            </a:r>
-            <a:r>
-              <a:rPr lang="fr-FR" dirty="0">
-                <a:hlinkClick r:id="rId7" tooltip="Protocole de communication"/>
-              </a:rPr>
-              <a:t>protocole de communication</a:t>
-            </a:r>
-            <a:r>
-              <a:rPr lang="fr-FR" dirty="0"/>
-              <a:t> (</a:t>
-            </a:r>
-            <a:r>
-              <a:rPr lang="fr-FR" dirty="0">
-                <a:hlinkClick r:id="rId8" tooltip="SOAP"/>
-              </a:rPr>
-              <a:t>SOAP</a:t>
-            </a:r>
-            <a:r>
-              <a:rPr lang="fr-FR" dirty="0"/>
-              <a:t> </a:t>
-            </a:r>
-            <a:r>
-              <a:rPr lang="fr-FR" dirty="0">
-                <a:hlinkClick r:id="rId9" tooltip="Remote procedure call"/>
-              </a:rPr>
-              <a:t>RPC</a:t>
-            </a:r>
-            <a:r>
-              <a:rPr lang="fr-FR" dirty="0"/>
-              <a:t> ou SOAP orienté message)</a:t>
-            </a:r>
-          </a:p>
-          <a:p>
-            <a:pPr lvl="1"/>
-            <a:r>
-              <a:rPr lang="fr-FR" dirty="0"/>
-              <a:t>le format de messages requis pour communiquer avec ce service</a:t>
-            </a:r>
-          </a:p>
-          <a:p>
-            <a:pPr lvl="1"/>
-            <a:r>
-              <a:rPr lang="fr-FR" dirty="0"/>
-              <a:t>les méthodes que le client peut invoquer</a:t>
-            </a:r>
-          </a:p>
-          <a:p>
-            <a:pPr lvl="1"/>
-            <a:r>
-              <a:rPr lang="fr-FR" dirty="0"/>
-              <a:t>la localisation du service.</a:t>
-            </a:r>
-          </a:p>
-          <a:p>
-            <a:endParaRPr lang="fr-FR" dirty="0"/>
-          </a:p>
-        </p:txBody>
-      </p:sp>
-      <p:sp>
-        <p:nvSpPr>
-          <p:cNvPr id="3" name="Espace réservé du numéro de diapositive 2"/>
-          <p:cNvSpPr>
-            <a:spLocks noGrp="1"/>
-          </p:cNvSpPr>
-          <p:nvPr>
-            <p:ph type="sldNum" sz="quarter" idx="12"/>
-          </p:nvPr>
-        </p:nvSpPr>
-        <p:spPr/>
-        <p:txBody>
-          <a:bodyPr/>
-          <a:lstStyle/>
-          <a:p>
-            <a:fld id="{B79E4878-4BCB-449E-94CF-AE2A0F6BB533}" type="slidenum">
-              <a:rPr lang="fr-FR" smtClean="0"/>
-              <a:t>43</a:t>
-            </a:fld>
-            <a:endParaRPr lang="fr-FR"/>
-          </a:p>
-        </p:txBody>
-      </p:sp>
-    </p:spTree>
-    <p:extLst>
-      <p:ext uri="{BB962C8B-B14F-4D97-AF65-F5344CB8AC3E}">
-        <p14:creationId xmlns:p14="http://schemas.microsoft.com/office/powerpoint/2010/main" val="830503398"/>
       </p:ext>
     </p:extLst>
   </p:cSld>
@@ -27252,417 +27770,212 @@
           </a:p>
         </p:txBody>
       </p:sp>
-      <p:pic>
-        <p:nvPicPr>
-          <p:cNvPr id="2050" name="Picture 2" descr="https://upload.wikimedia.org/wikipedia/commons/thumb/b/b0/Wsdl.png/800px-Wsdl.png"/>
-          <p:cNvPicPr>
-            <a:picLocks noGrp="1" noChangeAspect="1" noChangeArrowheads="1"/>
-          </p:cNvPicPr>
+      <p:sp>
+        <p:nvSpPr>
+          <p:cNvPr id="4" name="Espace réservé du contenu 3"/>
+          <p:cNvSpPr>
+            <a:spLocks noGrp="1"/>
+          </p:cNvSpPr>
           <p:nvPr>
             <p:ph idx="1"/>
           </p:nvPr>
-        </p:nvPicPr>
-        <p:blipFill>
-          <a:blip r:embed="rId2">
-            <a:extLst>
-              <a:ext uri="{28A0092B-C50C-407E-A947-70E740481C1C}">
-                <a14:useLocalDpi xmlns:a14="http://schemas.microsoft.com/office/drawing/2010/main" val="0"/>
-              </a:ext>
-            </a:extLst>
-          </a:blip>
-          <a:srcRect/>
-          <a:stretch>
-            <a:fillRect/>
-          </a:stretch>
-        </p:blipFill>
-        <p:spPr bwMode="auto">
-          <a:xfrm>
-            <a:off x="-585786" y="1027906"/>
-            <a:ext cx="7205994" cy="5728765"/>
-          </a:xfrm>
-          <a:prstGeom prst="rect">
-            <a:avLst/>
-          </a:prstGeom>
-          <a:noFill/>
-          <a:extLst>
-            <a:ext uri="{909E8E84-426E-40DD-AFC4-6F175D3DCCD1}">
-              <a14:hiddenFill xmlns:a14="http://schemas.microsoft.com/office/drawing/2010/main">
-                <a:solidFill>
-                  <a:srgbClr val="FFFFFF"/>
-                </a:solidFill>
-              </a14:hiddenFill>
-            </a:ext>
-          </a:extLst>
-        </p:spPr>
-      </p:pic>
-      <p:sp>
-        <p:nvSpPr>
-          <p:cNvPr id="5" name="Espace réservé du contenu 2"/>
-          <p:cNvSpPr txBox="1">
-            <a:spLocks/>
-          </p:cNvSpPr>
-          <p:nvPr/>
         </p:nvSpPr>
         <p:spPr>
           <a:xfrm>
-            <a:off x="6415090" y="1468620"/>
-            <a:ext cx="5572125" cy="5246506"/>
+            <a:off x="838200" y="1468620"/>
+            <a:ext cx="10515600" cy="5389380"/>
           </a:xfrm>
-          <a:prstGeom prst="rect">
-            <a:avLst/>
-          </a:prstGeom>
         </p:spPr>
         <p:txBody>
-          <a:bodyPr vert="horz" lIns="91440" tIns="45720" rIns="91440" bIns="45720" rtlCol="0">
-            <a:normAutofit fontScale="70000" lnSpcReduction="20000"/>
+          <a:bodyPr>
+            <a:normAutofit fontScale="85000" lnSpcReduction="20000"/>
           </a:bodyPr>
-          <a:lstStyle>
-            <a:lvl1pPr marL="228600" indent="-228600" algn="l" defTabSz="914400" rtl="0" eaLnBrk="1" latinLnBrk="0" hangingPunct="1">
-              <a:lnSpc>
-                <a:spcPct val="90000"/>
-              </a:lnSpc>
-              <a:spcBef>
-                <a:spcPts val="1000"/>
-              </a:spcBef>
-              <a:buFont typeface="Arial" panose="020B0604020202020204" pitchFamily="34" charset="0"/>
-              <a:buChar char="•"/>
-              <a:defRPr sz="2800" kern="1200">
-                <a:solidFill>
-                  <a:schemeClr val="tx1"/>
-                </a:solidFill>
-                <a:latin typeface="+mn-lt"/>
-                <a:ea typeface="+mn-ea"/>
-                <a:cs typeface="+mn-cs"/>
-              </a:defRPr>
-            </a:lvl1pPr>
-            <a:lvl2pPr marL="685800" indent="-228600" algn="l" defTabSz="914400" rtl="0" eaLnBrk="1" latinLnBrk="0" hangingPunct="1">
-              <a:lnSpc>
-                <a:spcPct val="90000"/>
-              </a:lnSpc>
-              <a:spcBef>
-                <a:spcPts val="500"/>
-              </a:spcBef>
-              <a:buFont typeface="Arial" panose="020B0604020202020204" pitchFamily="34" charset="0"/>
-              <a:buChar char="•"/>
-              <a:defRPr sz="2400" kern="1200">
-                <a:solidFill>
-                  <a:schemeClr val="tx1"/>
-                </a:solidFill>
-                <a:latin typeface="+mn-lt"/>
-                <a:ea typeface="+mn-ea"/>
-                <a:cs typeface="+mn-cs"/>
-              </a:defRPr>
-            </a:lvl2pPr>
-            <a:lvl3pPr marL="1143000" indent="-228600" algn="l" defTabSz="914400" rtl="0" eaLnBrk="1" latinLnBrk="0" hangingPunct="1">
-              <a:lnSpc>
-                <a:spcPct val="90000"/>
-              </a:lnSpc>
-              <a:spcBef>
-                <a:spcPts val="500"/>
-              </a:spcBef>
-              <a:buFont typeface="Arial" panose="020B0604020202020204" pitchFamily="34" charset="0"/>
-              <a:buChar char="•"/>
-              <a:defRPr sz="2000" kern="1200">
-                <a:solidFill>
-                  <a:schemeClr val="tx1"/>
-                </a:solidFill>
-                <a:latin typeface="+mn-lt"/>
-                <a:ea typeface="+mn-ea"/>
-                <a:cs typeface="+mn-cs"/>
-              </a:defRPr>
-            </a:lvl3pPr>
-            <a:lvl4pPr marL="1600200" indent="-228600" algn="l" defTabSz="914400" rtl="0" eaLnBrk="1" latinLnBrk="0" hangingPunct="1">
-              <a:lnSpc>
-                <a:spcPct val="90000"/>
-              </a:lnSpc>
-              <a:spcBef>
-                <a:spcPts val="500"/>
-              </a:spcBef>
-              <a:buFont typeface="Arial" panose="020B0604020202020204" pitchFamily="34" charset="0"/>
-              <a:buChar char="•"/>
-              <a:defRPr sz="1800" kern="1200">
-                <a:solidFill>
-                  <a:schemeClr val="tx1"/>
-                </a:solidFill>
-                <a:latin typeface="+mn-lt"/>
-                <a:ea typeface="+mn-ea"/>
-                <a:cs typeface="+mn-cs"/>
-              </a:defRPr>
-            </a:lvl4pPr>
-            <a:lvl5pPr marL="2057400" indent="-228600" algn="l" defTabSz="914400" rtl="0" eaLnBrk="1" latinLnBrk="0" hangingPunct="1">
-              <a:lnSpc>
-                <a:spcPct val="90000"/>
-              </a:lnSpc>
-              <a:spcBef>
-                <a:spcPts val="500"/>
-              </a:spcBef>
-              <a:buFont typeface="Arial" panose="020B0604020202020204" pitchFamily="34" charset="0"/>
-              <a:buChar char="•"/>
-              <a:defRPr sz="1800" kern="1200">
-                <a:solidFill>
-                  <a:schemeClr val="tx1"/>
-                </a:solidFill>
-                <a:latin typeface="+mn-lt"/>
-                <a:ea typeface="+mn-ea"/>
-                <a:cs typeface="+mn-cs"/>
-              </a:defRPr>
-            </a:lvl5pPr>
-            <a:lvl6pPr marL="2514600" indent="-228600" algn="l" defTabSz="914400" rtl="0" eaLnBrk="1" latinLnBrk="0" hangingPunct="1">
-              <a:lnSpc>
-                <a:spcPct val="90000"/>
-              </a:lnSpc>
-              <a:spcBef>
-                <a:spcPts val="500"/>
-              </a:spcBef>
-              <a:buFont typeface="Arial" panose="020B0604020202020204" pitchFamily="34" charset="0"/>
-              <a:buChar char="•"/>
-              <a:defRPr sz="1800" kern="1200">
-                <a:solidFill>
-                  <a:schemeClr val="tx1"/>
-                </a:solidFill>
-                <a:latin typeface="+mn-lt"/>
-                <a:ea typeface="+mn-ea"/>
-                <a:cs typeface="+mn-cs"/>
-              </a:defRPr>
-            </a:lvl6pPr>
-            <a:lvl7pPr marL="2971800" indent="-228600" algn="l" defTabSz="914400" rtl="0" eaLnBrk="1" latinLnBrk="0" hangingPunct="1">
-              <a:lnSpc>
-                <a:spcPct val="90000"/>
-              </a:lnSpc>
-              <a:spcBef>
-                <a:spcPts val="500"/>
-              </a:spcBef>
-              <a:buFont typeface="Arial" panose="020B0604020202020204" pitchFamily="34" charset="0"/>
-              <a:buChar char="•"/>
-              <a:defRPr sz="1800" kern="1200">
-                <a:solidFill>
-                  <a:schemeClr val="tx1"/>
-                </a:solidFill>
-                <a:latin typeface="+mn-lt"/>
-                <a:ea typeface="+mn-ea"/>
-                <a:cs typeface="+mn-cs"/>
-              </a:defRPr>
-            </a:lvl7pPr>
-            <a:lvl8pPr marL="3429000" indent="-228600" algn="l" defTabSz="914400" rtl="0" eaLnBrk="1" latinLnBrk="0" hangingPunct="1">
-              <a:lnSpc>
-                <a:spcPct val="90000"/>
-              </a:lnSpc>
-              <a:spcBef>
-                <a:spcPts val="500"/>
-              </a:spcBef>
-              <a:buFont typeface="Arial" panose="020B0604020202020204" pitchFamily="34" charset="0"/>
-              <a:buChar char="•"/>
-              <a:defRPr sz="1800" kern="1200">
-                <a:solidFill>
-                  <a:schemeClr val="tx1"/>
-                </a:solidFill>
-                <a:latin typeface="+mn-lt"/>
-                <a:ea typeface="+mn-ea"/>
-                <a:cs typeface="+mn-cs"/>
-              </a:defRPr>
-            </a:lvl8pPr>
-            <a:lvl9pPr marL="3886200" indent="-228600" algn="l" defTabSz="914400" rtl="0" eaLnBrk="1" latinLnBrk="0" hangingPunct="1">
-              <a:lnSpc>
-                <a:spcPct val="90000"/>
-              </a:lnSpc>
-              <a:spcBef>
-                <a:spcPts val="500"/>
-              </a:spcBef>
-              <a:buFont typeface="Arial" panose="020B0604020202020204" pitchFamily="34" charset="0"/>
-              <a:buChar char="•"/>
-              <a:defRPr sz="1800" kern="1200">
-                <a:solidFill>
-                  <a:schemeClr val="tx1"/>
-                </a:solidFill>
-                <a:latin typeface="+mn-lt"/>
-                <a:ea typeface="+mn-ea"/>
-                <a:cs typeface="+mn-cs"/>
-              </a:defRPr>
-            </a:lvl9pPr>
-          </a:lstStyle>
-          <a:p>
-            <a:pPr marL="0" indent="0">
-              <a:buFont typeface="Arial" panose="020B0604020202020204" pitchFamily="34" charset="0"/>
-              <a:buNone/>
-            </a:pPr>
-            <a:r>
-              <a:rPr lang="fr-FR" dirty="0"/>
-              <a:t>Un fichier WSDL contient sept éléments</a:t>
-            </a:r>
-          </a:p>
-          <a:p>
-            <a:r>
-              <a:rPr lang="fr-FR" b="1" dirty="0">
-                <a:solidFill>
-                  <a:schemeClr val="bg2">
-                    <a:lumMod val="50000"/>
-                  </a:schemeClr>
-                </a:solidFill>
+          <a:lstStyle/>
+          <a:p>
+            <a:r>
+              <a:rPr lang="fr-FR" dirty="0"/>
+              <a:t>Le </a:t>
+            </a:r>
+            <a:r>
+              <a:rPr lang="fr-FR" b="1" dirty="0"/>
+              <a:t>WSDL</a:t>
+            </a:r>
+            <a:r>
+              <a:rPr lang="fr-FR" dirty="0"/>
+              <a:t> ou </a:t>
+            </a:r>
+            <a:r>
+              <a:rPr lang="fr-FR" b="1" dirty="0"/>
+              <a:t>Web Services Description </a:t>
+            </a:r>
+            <a:r>
+              <a:rPr lang="fr-FR" b="1" dirty="0" err="1"/>
+              <a:t>Language</a:t>
+            </a:r>
+            <a:r>
+              <a:rPr lang="fr-FR" dirty="0"/>
+              <a:t> est une grammaire </a:t>
+            </a:r>
+            <a:r>
+              <a:rPr lang="fr-FR" dirty="0">
+                <a:hlinkClick r:id="rId2" tooltip="Extensible Markup Language"/>
               </a:rPr>
-              <a:t>Types </a:t>
+              <a:t>XML</a:t>
+            </a:r>
+            <a:r>
+              <a:rPr lang="fr-FR" dirty="0"/>
+              <a:t> permettant de décrire un </a:t>
             </a:r>
             <a:r>
               <a:rPr lang="fr-FR" dirty="0">
-                <a:solidFill>
-                  <a:schemeClr val="bg2">
-                    <a:lumMod val="50000"/>
-                  </a:schemeClr>
-                </a:solidFill>
+                <a:hlinkClick r:id="rId3" tooltip="Service web"/>
               </a:rPr>
-              <a:t>: fournit la définition de types de données utilisés pour décrire les messages échangés.</a:t>
-            </a:r>
-          </a:p>
-          <a:p>
-            <a:r>
-              <a:rPr lang="fr-FR" b="1" dirty="0">
-                <a:solidFill>
-                  <a:schemeClr val="bg2">
-                    <a:lumMod val="50000"/>
-                  </a:schemeClr>
-                </a:solidFill>
+              <a:t>service web</a:t>
+            </a:r>
+            <a:r>
+              <a:rPr lang="fr-FR" dirty="0"/>
+              <a:t>. </a:t>
+            </a:r>
+          </a:p>
+          <a:p>
+            <a:pPr lvl="1"/>
+            <a:r>
+              <a:rPr lang="fr-FR" dirty="0"/>
+              <a:t>WSDL 1.1 a été proposé en 2001 au </a:t>
+            </a:r>
+            <a:r>
+              <a:rPr lang="fr-FR" dirty="0">
+                <a:hlinkClick r:id="rId4" tooltip="World Wide Web Consortium"/>
               </a:rPr>
-              <a:t>Messages </a:t>
+              <a:t>W3C</a:t>
+            </a:r>
+            <a:r>
+              <a:rPr lang="fr-FR" dirty="0"/>
+              <a:t> pour standardisation mais n'est pas approuvée par le W3C. </a:t>
+            </a:r>
+          </a:p>
+          <a:p>
+            <a:pPr lvl="1"/>
+            <a:r>
+              <a:rPr lang="fr-FR" dirty="0"/>
+              <a:t>La version 2.0 a été approuvée le 27 juin 2007 et est désormais une recommandation officielle du W3C. </a:t>
+            </a:r>
+          </a:p>
+          <a:p>
+            <a:pPr lvl="1"/>
+            <a:endParaRPr lang="fr-FR" dirty="0"/>
+          </a:p>
+          <a:p>
+            <a:r>
+              <a:rPr lang="fr-FR" dirty="0"/>
+              <a:t>Le WSDL décrit une </a:t>
             </a:r>
             <a:r>
               <a:rPr lang="fr-FR" dirty="0">
-                <a:solidFill>
-                  <a:schemeClr val="bg2">
-                    <a:lumMod val="50000"/>
-                  </a:schemeClr>
-                </a:solidFill>
+                <a:hlinkClick r:id="rId5" tooltip="Interface"/>
               </a:rPr>
-              <a:t>: représente une définition abstraire (noms et types) des données en cours de transmission.</a:t>
-            </a:r>
-          </a:p>
-          <a:p>
-            <a:r>
-              <a:rPr lang="fr-FR" b="1" dirty="0" err="1">
-                <a:solidFill>
-                  <a:schemeClr val="bg2">
-                    <a:lumMod val="50000"/>
-                  </a:schemeClr>
-                </a:solidFill>
+              <a:t>interface</a:t>
+            </a:r>
+            <a:r>
+              <a:rPr lang="fr-FR" dirty="0"/>
+              <a:t> publique d'accès à un service web, notamment dans le cadre d'architectures de type </a:t>
+            </a:r>
+            <a:r>
+              <a:rPr lang="fr-FR" dirty="0">
+                <a:hlinkClick r:id="rId6" tooltip="Service Oriented Architecture"/>
               </a:rPr>
-              <a:t>PortTypes</a:t>
+              <a:t>SOA</a:t>
+            </a:r>
+            <a:r>
+              <a:rPr lang="fr-FR" dirty="0"/>
+              <a:t> (</a:t>
+            </a:r>
+            <a:r>
+              <a:rPr lang="fr-FR" i="1" dirty="0"/>
+              <a:t>Service </a:t>
+            </a:r>
+            <a:r>
+              <a:rPr lang="fr-FR" i="1" dirty="0" err="1"/>
+              <a:t>Oriented</a:t>
+            </a:r>
+            <a:r>
+              <a:rPr lang="fr-FR" i="1" dirty="0"/>
+              <a:t> Architecture</a:t>
+            </a:r>
+            <a:r>
+              <a:rPr lang="fr-FR" dirty="0"/>
+              <a:t>). C'est une description fondée sur le XML qui indique « comment communiquer pour utiliser le service ».</a:t>
+            </a:r>
+          </a:p>
+          <a:p>
+            <a:endParaRPr lang="fr-FR" dirty="0"/>
+          </a:p>
+          <a:p>
+            <a:r>
+              <a:rPr lang="fr-FR" dirty="0"/>
+              <a:t>Le WSDL sert à décrire :</a:t>
+            </a:r>
+          </a:p>
+          <a:p>
+            <a:pPr lvl="1"/>
+            <a:r>
+              <a:rPr lang="fr-FR" dirty="0"/>
+              <a:t>le </a:t>
             </a:r>
             <a:r>
               <a:rPr lang="fr-FR" dirty="0">
-                <a:solidFill>
-                  <a:schemeClr val="bg2">
-                    <a:lumMod val="50000"/>
-                  </a:schemeClr>
-                </a:solidFill>
+                <a:hlinkClick r:id="rId7" tooltip="Protocole de communication"/>
               </a:rPr>
-              <a:t> : décrit un ensemble d'opérations. Chaque opération a zéro ou un message en entrée, zéro ou plusieurs messages de sortie ou d'erreurs.</a:t>
-            </a:r>
-          </a:p>
-          <a:p>
-            <a:r>
-              <a:rPr lang="fr-FR" b="1" dirty="0">
-                <a:solidFill>
-                  <a:schemeClr val="bg2">
-                    <a:lumMod val="50000"/>
-                  </a:schemeClr>
-                </a:solidFill>
+              <a:t>protocole de communication</a:t>
+            </a:r>
+            <a:r>
+              <a:rPr lang="fr-FR" dirty="0"/>
+              <a:t> (</a:t>
+            </a:r>
+            <a:r>
+              <a:rPr lang="fr-FR" dirty="0">
+                <a:hlinkClick r:id="rId8" tooltip="SOAP"/>
               </a:rPr>
-              <a:t>Opération </a:t>
+              <a:t>SOAP</a:t>
+            </a:r>
+            <a:r>
+              <a:rPr lang="fr-FR" dirty="0"/>
+              <a:t> </a:t>
             </a:r>
             <a:r>
               <a:rPr lang="fr-FR" dirty="0">
-                <a:solidFill>
-                  <a:schemeClr val="bg2">
-                    <a:lumMod val="50000"/>
-                  </a:schemeClr>
-                </a:solidFill>
+                <a:hlinkClick r:id="rId9" tooltip="Remote procedure call"/>
               </a:rPr>
-              <a:t>: c'est la description d'une action exposée dans le port.</a:t>
-            </a:r>
-          </a:p>
-          <a:p>
-            <a:r>
-              <a:rPr lang="fr-FR" b="1" dirty="0">
-                <a:solidFill>
-                  <a:schemeClr val="accent5">
-                    <a:lumMod val="50000"/>
-                  </a:schemeClr>
-                </a:solidFill>
-              </a:rPr>
-              <a:t>Binding</a:t>
-            </a:r>
-            <a:r>
-              <a:rPr lang="fr-FR" dirty="0">
-                <a:solidFill>
-                  <a:schemeClr val="accent5">
-                    <a:lumMod val="50000"/>
-                  </a:schemeClr>
-                </a:solidFill>
-              </a:rPr>
-              <a:t> : spécifie une liaison entre un &lt;</a:t>
-            </a:r>
-            <a:r>
-              <a:rPr lang="fr-FR" dirty="0" err="1">
-                <a:solidFill>
-                  <a:schemeClr val="accent5">
-                    <a:lumMod val="50000"/>
-                  </a:schemeClr>
-                </a:solidFill>
-              </a:rPr>
-              <a:t>portType</a:t>
-            </a:r>
-            <a:r>
-              <a:rPr lang="fr-FR" dirty="0">
-                <a:solidFill>
-                  <a:schemeClr val="accent5">
-                    <a:lumMod val="50000"/>
-                  </a:schemeClr>
-                </a:solidFill>
-              </a:rPr>
-              <a:t>&gt; et un protocole concret (SOAP, HTTP...).</a:t>
-            </a:r>
-          </a:p>
-          <a:p>
-            <a:r>
-              <a:rPr lang="fr-FR" b="1" dirty="0">
-                <a:solidFill>
-                  <a:schemeClr val="accent5">
-                    <a:lumMod val="50000"/>
-                  </a:schemeClr>
-                </a:solidFill>
-              </a:rPr>
-              <a:t>Service</a:t>
-            </a:r>
-            <a:r>
-              <a:rPr lang="fr-FR" dirty="0">
-                <a:solidFill>
-                  <a:schemeClr val="accent5">
-                    <a:lumMod val="50000"/>
-                  </a:schemeClr>
-                </a:solidFill>
-              </a:rPr>
-              <a:t> : indique les adresses de port de chaque liaison.</a:t>
-            </a:r>
-          </a:p>
-          <a:p>
-            <a:r>
-              <a:rPr lang="fr-FR" b="1" dirty="0">
-                <a:solidFill>
-                  <a:schemeClr val="accent5">
-                    <a:lumMod val="50000"/>
-                  </a:schemeClr>
-                </a:solidFill>
-              </a:rPr>
-              <a:t>Port </a:t>
-            </a:r>
-            <a:r>
-              <a:rPr lang="fr-FR" dirty="0">
-                <a:solidFill>
-                  <a:schemeClr val="accent5">
-                    <a:lumMod val="50000"/>
-                  </a:schemeClr>
-                </a:solidFill>
-              </a:rPr>
-              <a:t>: représente un point d'accès de services défini par une adresse réseau et une liaison.</a:t>
-            </a:r>
+              <a:t>RPC</a:t>
+            </a:r>
+            <a:r>
+              <a:rPr lang="fr-FR" dirty="0"/>
+              <a:t> ou SOAP orienté message)</a:t>
+            </a:r>
+          </a:p>
+          <a:p>
+            <a:pPr lvl="1"/>
+            <a:r>
+              <a:rPr lang="fr-FR" dirty="0"/>
+              <a:t>le format de messages requis pour communiquer avec ce service</a:t>
+            </a:r>
+          </a:p>
+          <a:p>
+            <a:pPr lvl="1"/>
+            <a:r>
+              <a:rPr lang="fr-FR" dirty="0"/>
+              <a:t>les méthodes que le client peut invoquer</a:t>
+            </a:r>
+          </a:p>
+          <a:p>
+            <a:pPr lvl="1"/>
+            <a:r>
+              <a:rPr lang="fr-FR" dirty="0"/>
+              <a:t>la localisation du service.</a:t>
+            </a:r>
+          </a:p>
+          <a:p>
+            <a:endParaRPr lang="fr-FR" dirty="0"/>
           </a:p>
         </p:txBody>
       </p:sp>
@@ -27692,7 +28005,7 @@
     </p:spTree>
     <p:extLst>
       <p:ext uri="{BB962C8B-B14F-4D97-AF65-F5344CB8AC3E}">
-        <p14:creationId xmlns:p14="http://schemas.microsoft.com/office/powerpoint/2010/main" val="2939192113"/>
+        <p14:creationId xmlns:p14="http://schemas.microsoft.com/office/powerpoint/2010/main" val="830503398"/>
       </p:ext>
     </p:extLst>
   </p:cSld>
@@ -27743,6 +28056,495 @@
       </p:sp>
       <p:pic>
         <p:nvPicPr>
+          <p:cNvPr id="2050" name="Picture 2" descr="https://upload.wikimedia.org/wikipedia/commons/thumb/b/b0/Wsdl.png/800px-Wsdl.png"/>
+          <p:cNvPicPr>
+            <a:picLocks noGrp="1" noChangeAspect="1" noChangeArrowheads="1"/>
+          </p:cNvPicPr>
+          <p:nvPr>
+            <p:ph idx="1"/>
+          </p:nvPr>
+        </p:nvPicPr>
+        <p:blipFill>
+          <a:blip r:embed="rId2">
+            <a:extLst>
+              <a:ext uri="{28A0092B-C50C-407E-A947-70E740481C1C}">
+                <a14:useLocalDpi xmlns:a14="http://schemas.microsoft.com/office/drawing/2010/main" val="0"/>
+              </a:ext>
+            </a:extLst>
+          </a:blip>
+          <a:srcRect/>
+          <a:stretch>
+            <a:fillRect/>
+          </a:stretch>
+        </p:blipFill>
+        <p:spPr bwMode="auto">
+          <a:xfrm>
+            <a:off x="-585786" y="1027906"/>
+            <a:ext cx="7205994" cy="5728765"/>
+          </a:xfrm>
+          <a:prstGeom prst="rect">
+            <a:avLst/>
+          </a:prstGeom>
+          <a:noFill/>
+          <a:extLst>
+            <a:ext uri="{909E8E84-426E-40DD-AFC4-6F175D3DCCD1}">
+              <a14:hiddenFill xmlns:a14="http://schemas.microsoft.com/office/drawing/2010/main">
+                <a:solidFill>
+                  <a:srgbClr val="FFFFFF"/>
+                </a:solidFill>
+              </a14:hiddenFill>
+            </a:ext>
+          </a:extLst>
+        </p:spPr>
+      </p:pic>
+      <p:sp>
+        <p:nvSpPr>
+          <p:cNvPr id="5" name="Espace réservé du contenu 2"/>
+          <p:cNvSpPr txBox="1">
+            <a:spLocks/>
+          </p:cNvSpPr>
+          <p:nvPr/>
+        </p:nvSpPr>
+        <p:spPr>
+          <a:xfrm>
+            <a:off x="6415090" y="1468620"/>
+            <a:ext cx="5572125" cy="5246506"/>
+          </a:xfrm>
+          <a:prstGeom prst="rect">
+            <a:avLst/>
+          </a:prstGeom>
+        </p:spPr>
+        <p:txBody>
+          <a:bodyPr vert="horz" lIns="91440" tIns="45720" rIns="91440" bIns="45720" rtlCol="0">
+            <a:normAutofit fontScale="70000" lnSpcReduction="20000"/>
+          </a:bodyPr>
+          <a:lstStyle>
+            <a:lvl1pPr marL="228600" indent="-228600" algn="l" defTabSz="914400" rtl="0" eaLnBrk="1" latinLnBrk="0" hangingPunct="1">
+              <a:lnSpc>
+                <a:spcPct val="90000"/>
+              </a:lnSpc>
+              <a:spcBef>
+                <a:spcPts val="1000"/>
+              </a:spcBef>
+              <a:buFont typeface="Arial" panose="020B0604020202020204" pitchFamily="34" charset="0"/>
+              <a:buChar char="•"/>
+              <a:defRPr sz="2800" kern="1200">
+                <a:solidFill>
+                  <a:schemeClr val="tx1"/>
+                </a:solidFill>
+                <a:latin typeface="+mn-lt"/>
+                <a:ea typeface="+mn-ea"/>
+                <a:cs typeface="+mn-cs"/>
+              </a:defRPr>
+            </a:lvl1pPr>
+            <a:lvl2pPr marL="685800" indent="-228600" algn="l" defTabSz="914400" rtl="0" eaLnBrk="1" latinLnBrk="0" hangingPunct="1">
+              <a:lnSpc>
+                <a:spcPct val="90000"/>
+              </a:lnSpc>
+              <a:spcBef>
+                <a:spcPts val="500"/>
+              </a:spcBef>
+              <a:buFont typeface="Arial" panose="020B0604020202020204" pitchFamily="34" charset="0"/>
+              <a:buChar char="•"/>
+              <a:defRPr sz="2400" kern="1200">
+                <a:solidFill>
+                  <a:schemeClr val="tx1"/>
+                </a:solidFill>
+                <a:latin typeface="+mn-lt"/>
+                <a:ea typeface="+mn-ea"/>
+                <a:cs typeface="+mn-cs"/>
+              </a:defRPr>
+            </a:lvl2pPr>
+            <a:lvl3pPr marL="1143000" indent="-228600" algn="l" defTabSz="914400" rtl="0" eaLnBrk="1" latinLnBrk="0" hangingPunct="1">
+              <a:lnSpc>
+                <a:spcPct val="90000"/>
+              </a:lnSpc>
+              <a:spcBef>
+                <a:spcPts val="500"/>
+              </a:spcBef>
+              <a:buFont typeface="Arial" panose="020B0604020202020204" pitchFamily="34" charset="0"/>
+              <a:buChar char="•"/>
+              <a:defRPr sz="2000" kern="1200">
+                <a:solidFill>
+                  <a:schemeClr val="tx1"/>
+                </a:solidFill>
+                <a:latin typeface="+mn-lt"/>
+                <a:ea typeface="+mn-ea"/>
+                <a:cs typeface="+mn-cs"/>
+              </a:defRPr>
+            </a:lvl3pPr>
+            <a:lvl4pPr marL="1600200" indent="-228600" algn="l" defTabSz="914400" rtl="0" eaLnBrk="1" latinLnBrk="0" hangingPunct="1">
+              <a:lnSpc>
+                <a:spcPct val="90000"/>
+              </a:lnSpc>
+              <a:spcBef>
+                <a:spcPts val="500"/>
+              </a:spcBef>
+              <a:buFont typeface="Arial" panose="020B0604020202020204" pitchFamily="34" charset="0"/>
+              <a:buChar char="•"/>
+              <a:defRPr sz="1800" kern="1200">
+                <a:solidFill>
+                  <a:schemeClr val="tx1"/>
+                </a:solidFill>
+                <a:latin typeface="+mn-lt"/>
+                <a:ea typeface="+mn-ea"/>
+                <a:cs typeface="+mn-cs"/>
+              </a:defRPr>
+            </a:lvl4pPr>
+            <a:lvl5pPr marL="2057400" indent="-228600" algn="l" defTabSz="914400" rtl="0" eaLnBrk="1" latinLnBrk="0" hangingPunct="1">
+              <a:lnSpc>
+                <a:spcPct val="90000"/>
+              </a:lnSpc>
+              <a:spcBef>
+                <a:spcPts val="500"/>
+              </a:spcBef>
+              <a:buFont typeface="Arial" panose="020B0604020202020204" pitchFamily="34" charset="0"/>
+              <a:buChar char="•"/>
+              <a:defRPr sz="1800" kern="1200">
+                <a:solidFill>
+                  <a:schemeClr val="tx1"/>
+                </a:solidFill>
+                <a:latin typeface="+mn-lt"/>
+                <a:ea typeface="+mn-ea"/>
+                <a:cs typeface="+mn-cs"/>
+              </a:defRPr>
+            </a:lvl5pPr>
+            <a:lvl6pPr marL="2514600" indent="-228600" algn="l" defTabSz="914400" rtl="0" eaLnBrk="1" latinLnBrk="0" hangingPunct="1">
+              <a:lnSpc>
+                <a:spcPct val="90000"/>
+              </a:lnSpc>
+              <a:spcBef>
+                <a:spcPts val="500"/>
+              </a:spcBef>
+              <a:buFont typeface="Arial" panose="020B0604020202020204" pitchFamily="34" charset="0"/>
+              <a:buChar char="•"/>
+              <a:defRPr sz="1800" kern="1200">
+                <a:solidFill>
+                  <a:schemeClr val="tx1"/>
+                </a:solidFill>
+                <a:latin typeface="+mn-lt"/>
+                <a:ea typeface="+mn-ea"/>
+                <a:cs typeface="+mn-cs"/>
+              </a:defRPr>
+            </a:lvl6pPr>
+            <a:lvl7pPr marL="2971800" indent="-228600" algn="l" defTabSz="914400" rtl="0" eaLnBrk="1" latinLnBrk="0" hangingPunct="1">
+              <a:lnSpc>
+                <a:spcPct val="90000"/>
+              </a:lnSpc>
+              <a:spcBef>
+                <a:spcPts val="500"/>
+              </a:spcBef>
+              <a:buFont typeface="Arial" panose="020B0604020202020204" pitchFamily="34" charset="0"/>
+              <a:buChar char="•"/>
+              <a:defRPr sz="1800" kern="1200">
+                <a:solidFill>
+                  <a:schemeClr val="tx1"/>
+                </a:solidFill>
+                <a:latin typeface="+mn-lt"/>
+                <a:ea typeface="+mn-ea"/>
+                <a:cs typeface="+mn-cs"/>
+              </a:defRPr>
+            </a:lvl7pPr>
+            <a:lvl8pPr marL="3429000" indent="-228600" algn="l" defTabSz="914400" rtl="0" eaLnBrk="1" latinLnBrk="0" hangingPunct="1">
+              <a:lnSpc>
+                <a:spcPct val="90000"/>
+              </a:lnSpc>
+              <a:spcBef>
+                <a:spcPts val="500"/>
+              </a:spcBef>
+              <a:buFont typeface="Arial" panose="020B0604020202020204" pitchFamily="34" charset="0"/>
+              <a:buChar char="•"/>
+              <a:defRPr sz="1800" kern="1200">
+                <a:solidFill>
+                  <a:schemeClr val="tx1"/>
+                </a:solidFill>
+                <a:latin typeface="+mn-lt"/>
+                <a:ea typeface="+mn-ea"/>
+                <a:cs typeface="+mn-cs"/>
+              </a:defRPr>
+            </a:lvl8pPr>
+            <a:lvl9pPr marL="3886200" indent="-228600" algn="l" defTabSz="914400" rtl="0" eaLnBrk="1" latinLnBrk="0" hangingPunct="1">
+              <a:lnSpc>
+                <a:spcPct val="90000"/>
+              </a:lnSpc>
+              <a:spcBef>
+                <a:spcPts val="500"/>
+              </a:spcBef>
+              <a:buFont typeface="Arial" panose="020B0604020202020204" pitchFamily="34" charset="0"/>
+              <a:buChar char="•"/>
+              <a:defRPr sz="1800" kern="1200">
+                <a:solidFill>
+                  <a:schemeClr val="tx1"/>
+                </a:solidFill>
+                <a:latin typeface="+mn-lt"/>
+                <a:ea typeface="+mn-ea"/>
+                <a:cs typeface="+mn-cs"/>
+              </a:defRPr>
+            </a:lvl9pPr>
+          </a:lstStyle>
+          <a:p>
+            <a:pPr marL="0" indent="0">
+              <a:buFont typeface="Arial" panose="020B0604020202020204" pitchFamily="34" charset="0"/>
+              <a:buNone/>
+            </a:pPr>
+            <a:r>
+              <a:rPr lang="fr-FR" dirty="0"/>
+              <a:t>Un fichier WSDL contient sept éléments</a:t>
+            </a:r>
+          </a:p>
+          <a:p>
+            <a:r>
+              <a:rPr lang="fr-FR" b="1" dirty="0">
+                <a:solidFill>
+                  <a:schemeClr val="bg2">
+                    <a:lumMod val="50000"/>
+                  </a:schemeClr>
+                </a:solidFill>
+              </a:rPr>
+              <a:t>Types </a:t>
+            </a:r>
+            <a:r>
+              <a:rPr lang="fr-FR" dirty="0">
+                <a:solidFill>
+                  <a:schemeClr val="bg2">
+                    <a:lumMod val="50000"/>
+                  </a:schemeClr>
+                </a:solidFill>
+              </a:rPr>
+              <a:t>: fournit la définition de types de données utilisés pour décrire les messages échangés.</a:t>
+            </a:r>
+          </a:p>
+          <a:p>
+            <a:r>
+              <a:rPr lang="fr-FR" b="1" dirty="0">
+                <a:solidFill>
+                  <a:schemeClr val="bg2">
+                    <a:lumMod val="50000"/>
+                  </a:schemeClr>
+                </a:solidFill>
+              </a:rPr>
+              <a:t>Messages </a:t>
+            </a:r>
+            <a:r>
+              <a:rPr lang="fr-FR" dirty="0">
+                <a:solidFill>
+                  <a:schemeClr val="bg2">
+                    <a:lumMod val="50000"/>
+                  </a:schemeClr>
+                </a:solidFill>
+              </a:rPr>
+              <a:t>: représente une définition abstraire (noms et types) des données en cours de transmission.</a:t>
+            </a:r>
+          </a:p>
+          <a:p>
+            <a:r>
+              <a:rPr lang="fr-FR" b="1" dirty="0" err="1">
+                <a:solidFill>
+                  <a:schemeClr val="bg2">
+                    <a:lumMod val="50000"/>
+                  </a:schemeClr>
+                </a:solidFill>
+              </a:rPr>
+              <a:t>PortTypes</a:t>
+            </a:r>
+            <a:r>
+              <a:rPr lang="fr-FR" dirty="0">
+                <a:solidFill>
+                  <a:schemeClr val="bg2">
+                    <a:lumMod val="50000"/>
+                  </a:schemeClr>
+                </a:solidFill>
+              </a:rPr>
+              <a:t> : décrit un ensemble d'opérations. Chaque opération a zéro ou un message en entrée, zéro ou plusieurs messages de sortie ou d'erreurs.</a:t>
+            </a:r>
+          </a:p>
+          <a:p>
+            <a:r>
+              <a:rPr lang="fr-FR" b="1" dirty="0">
+                <a:solidFill>
+                  <a:schemeClr val="bg2">
+                    <a:lumMod val="50000"/>
+                  </a:schemeClr>
+                </a:solidFill>
+              </a:rPr>
+              <a:t>Opération </a:t>
+            </a:r>
+            <a:r>
+              <a:rPr lang="fr-FR" dirty="0">
+                <a:solidFill>
+                  <a:schemeClr val="bg2">
+                    <a:lumMod val="50000"/>
+                  </a:schemeClr>
+                </a:solidFill>
+              </a:rPr>
+              <a:t>: c'est la description d'une action exposée dans le port.</a:t>
+            </a:r>
+          </a:p>
+          <a:p>
+            <a:r>
+              <a:rPr lang="fr-FR" b="1" dirty="0">
+                <a:solidFill>
+                  <a:schemeClr val="accent5">
+                    <a:lumMod val="50000"/>
+                  </a:schemeClr>
+                </a:solidFill>
+              </a:rPr>
+              <a:t>Binding</a:t>
+            </a:r>
+            <a:r>
+              <a:rPr lang="fr-FR" dirty="0">
+                <a:solidFill>
+                  <a:schemeClr val="accent5">
+                    <a:lumMod val="50000"/>
+                  </a:schemeClr>
+                </a:solidFill>
+              </a:rPr>
+              <a:t> : spécifie une liaison entre un &lt;</a:t>
+            </a:r>
+            <a:r>
+              <a:rPr lang="fr-FR" dirty="0" err="1">
+                <a:solidFill>
+                  <a:schemeClr val="accent5">
+                    <a:lumMod val="50000"/>
+                  </a:schemeClr>
+                </a:solidFill>
+              </a:rPr>
+              <a:t>portType</a:t>
+            </a:r>
+            <a:r>
+              <a:rPr lang="fr-FR" dirty="0">
+                <a:solidFill>
+                  <a:schemeClr val="accent5">
+                    <a:lumMod val="50000"/>
+                  </a:schemeClr>
+                </a:solidFill>
+              </a:rPr>
+              <a:t>&gt; et un protocole concret (SOAP, HTTP...).</a:t>
+            </a:r>
+          </a:p>
+          <a:p>
+            <a:r>
+              <a:rPr lang="fr-FR" b="1" dirty="0">
+                <a:solidFill>
+                  <a:schemeClr val="accent5">
+                    <a:lumMod val="50000"/>
+                  </a:schemeClr>
+                </a:solidFill>
+              </a:rPr>
+              <a:t>Service</a:t>
+            </a:r>
+            <a:r>
+              <a:rPr lang="fr-FR" dirty="0">
+                <a:solidFill>
+                  <a:schemeClr val="accent5">
+                    <a:lumMod val="50000"/>
+                  </a:schemeClr>
+                </a:solidFill>
+              </a:rPr>
+              <a:t> : indique les adresses de port de chaque liaison.</a:t>
+            </a:r>
+          </a:p>
+          <a:p>
+            <a:r>
+              <a:rPr lang="fr-FR" b="1" dirty="0">
+                <a:solidFill>
+                  <a:schemeClr val="accent5">
+                    <a:lumMod val="50000"/>
+                  </a:schemeClr>
+                </a:solidFill>
+              </a:rPr>
+              <a:t>Port </a:t>
+            </a:r>
+            <a:r>
+              <a:rPr lang="fr-FR" dirty="0">
+                <a:solidFill>
+                  <a:schemeClr val="accent5">
+                    <a:lumMod val="50000"/>
+                  </a:schemeClr>
+                </a:solidFill>
+              </a:rPr>
+              <a:t>: représente un point d'accès de services défini par une adresse réseau et une liaison.</a:t>
+            </a:r>
+          </a:p>
+        </p:txBody>
+      </p:sp>
+      <p:sp>
+        <p:nvSpPr>
+          <p:cNvPr id="3" name="Espace réservé du numéro de diapositive 2"/>
+          <p:cNvSpPr>
+            <a:spLocks noGrp="1"/>
+          </p:cNvSpPr>
+          <p:nvPr>
+            <p:ph type="sldNum" sz="quarter" idx="12"/>
+          </p:nvPr>
+        </p:nvSpPr>
+        <p:spPr/>
+        <p:txBody>
+          <a:bodyPr/>
+          <a:lstStyle/>
+          <a:p>
+            <a:fld id="{B79E4878-4BCB-449E-94CF-AE2A0F6BB533}" type="slidenum">
+              <a:rPr lang="fr-FR" smtClean="0"/>
+              <a:t>45</a:t>
+            </a:fld>
+            <a:endParaRPr lang="fr-FR"/>
+          </a:p>
+        </p:txBody>
+      </p:sp>
+    </p:spTree>
+    <p:extLst>
+      <p:ext uri="{BB962C8B-B14F-4D97-AF65-F5344CB8AC3E}">
+        <p14:creationId xmlns:p14="http://schemas.microsoft.com/office/powerpoint/2010/main" val="2939192113"/>
+      </p:ext>
+    </p:extLst>
+  </p:cSld>
+  <p:clrMapOvr>
+    <a:masterClrMapping/>
+  </p:clrMapOvr>
+</p:sld>
+</file>
+
+<file path=ppt/slides/slide46.xml><?xml version="1.0" encoding="utf-8"?>
+<p:sld xmlns:a="http://schemas.openxmlformats.org/drawingml/2006/main" xmlns:r="http://schemas.openxmlformats.org/officeDocument/2006/relationships" xmlns:p="http://schemas.openxmlformats.org/presentationml/2006/main">
+  <p:cSld>
+    <p:spTree>
+      <p:nvGrpSpPr>
+        <p:cNvPr id="1" name=""/>
+        <p:cNvGrpSpPr/>
+        <p:nvPr/>
+      </p:nvGrpSpPr>
+      <p:grpSpPr>
+        <a:xfrm>
+          <a:off x="0" y="0"/>
+          <a:ext cx="0" cy="0"/>
+          <a:chOff x="0" y="0"/>
+          <a:chExt cx="0" cy="0"/>
+        </a:xfrm>
+      </p:grpSpPr>
+      <p:sp>
+        <p:nvSpPr>
+          <p:cNvPr id="2" name="Titre 1"/>
+          <p:cNvSpPr>
+            <a:spLocks noGrp="1"/>
+          </p:cNvSpPr>
+          <p:nvPr>
+            <p:ph type="title"/>
+          </p:nvPr>
+        </p:nvSpPr>
+        <p:spPr/>
+        <p:txBody>
+          <a:bodyPr/>
+          <a:lstStyle/>
+          <a:p>
+            <a:r>
+              <a:rPr lang="fr-FR" dirty="0"/>
+              <a:t>Le langage de description WSDL	</a:t>
+            </a:r>
+          </a:p>
+        </p:txBody>
+      </p:sp>
+      <p:pic>
+        <p:nvPicPr>
           <p:cNvPr id="14338" name="Picture 2" descr="Image utilisateur"/>
           <p:cNvPicPr>
             <a:picLocks noChangeAspect="1" noChangeArrowheads="1"/>
@@ -27842,7 +28644,7 @@
           <a:p>
             <a:fld id="{B79E4878-4BCB-449E-94CF-AE2A0F6BB533}" type="slidenum">
               <a:rPr lang="fr-FR" smtClean="0"/>
-              <a:t>45</a:t>
+              <a:t>46</a:t>
             </a:fld>
             <a:endParaRPr lang="fr-FR"/>
           </a:p>
@@ -27861,7 +28663,7 @@
 </p:sld>
 </file>
 
-<file path=ppt/slides/slide46.xml><?xml version="1.0" encoding="utf-8"?>
+<file path=ppt/slides/slide47.xml><?xml version="1.0" encoding="utf-8"?>
 <p:sld xmlns:a="http://schemas.openxmlformats.org/drawingml/2006/main" xmlns:r="http://schemas.openxmlformats.org/officeDocument/2006/relationships" xmlns:p="http://schemas.openxmlformats.org/presentationml/2006/main">
   <p:cSld>
     <p:spTree>
@@ -28004,7 +28806,7 @@
           <a:p>
             <a:fld id="{B79E4878-4BCB-449E-94CF-AE2A0F6BB533}" type="slidenum">
               <a:rPr lang="fr-FR" smtClean="0"/>
-              <a:t>46</a:t>
+              <a:t>47</a:t>
             </a:fld>
             <a:endParaRPr lang="fr-FR"/>
           </a:p>
@@ -28023,7 +28825,7 @@
 </p:sld>
 </file>
 
-<file path=ppt/slides/slide47.xml><?xml version="1.0" encoding="utf-8"?>
+<file path=ppt/slides/slide48.xml><?xml version="1.0" encoding="utf-8"?>
 <p:sld xmlns:a="http://schemas.openxmlformats.org/drawingml/2006/main" xmlns:r="http://schemas.openxmlformats.org/officeDocument/2006/relationships" xmlns:p="http://schemas.openxmlformats.org/presentationml/2006/main">
   <p:cSld>
     <p:spTree>
@@ -28968,7 +29770,7 @@
           <a:p>
             <a:fld id="{B79E4878-4BCB-449E-94CF-AE2A0F6BB533}" type="slidenum">
               <a:rPr lang="fr-FR" smtClean="0"/>
-              <a:t>47</a:t>
+              <a:t>48</a:t>
             </a:fld>
             <a:endParaRPr lang="fr-FR"/>
           </a:p>
@@ -28987,7 +29789,7 @@
 </p:sld>
 </file>
 
-<file path=ppt/slides/slide48.xml><?xml version="1.0" encoding="utf-8"?>
+<file path=ppt/slides/slide49.xml><?xml version="1.0" encoding="utf-8"?>
 <p:sld xmlns:a="http://schemas.openxmlformats.org/drawingml/2006/main" xmlns:r="http://schemas.openxmlformats.org/officeDocument/2006/relationships" xmlns:p="http://schemas.openxmlformats.org/presentationml/2006/main">
   <p:cSld>
     <p:spTree>
@@ -29404,7 +30206,7 @@
           <a:p>
             <a:fld id="{B79E4878-4BCB-449E-94CF-AE2A0F6BB533}" type="slidenum">
               <a:rPr lang="fr-FR" smtClean="0"/>
-              <a:t>48</a:t>
+              <a:t>49</a:t>
             </a:fld>
             <a:endParaRPr lang="fr-FR"/>
           </a:p>

--- a/documentations/1 - Web Services partie SOAP.pptx
+++ b/documentations/1 - Web Services partie SOAP.pptx
@@ -678,7 +678,7 @@
           <a:p>
             <a:fld id="{92C0ECB4-1DA6-4958-A0CF-A11808127F66}" type="datetimeFigureOut">
               <a:rPr lang="fr-FR" smtClean="0"/>
-              <a:t>26/02/2019</a:t>
+              <a:t>28/02/2019</a:t>
             </a:fld>
             <a:endParaRPr lang="fr-FR"/>
           </a:p>
@@ -843,7 +843,7 @@
           <a:p>
             <a:fld id="{79251E60-887E-4FF0-8411-14E4694F24DF}" type="datetimeFigureOut">
               <a:rPr lang="fr-FR" smtClean="0"/>
-              <a:t>26/02/2019</a:t>
+              <a:t>28/02/2019</a:t>
             </a:fld>
             <a:endParaRPr lang="fr-FR"/>
           </a:p>
@@ -2835,7 +2835,7 @@
           <a:p>
             <a:fld id="{3CD8DA6A-E332-4F44-A7D2-8F4CF34CC12E}" type="datetime1">
               <a:rPr lang="fr-FR" smtClean="0"/>
-              <a:t>26/02/2019</a:t>
+              <a:t>28/02/2019</a:t>
             </a:fld>
             <a:endParaRPr lang="fr-FR"/>
           </a:p>
@@ -3003,7 +3003,7 @@
           <a:p>
             <a:fld id="{65496462-926F-4E67-AAAE-B88F0984169C}" type="datetime1">
               <a:rPr lang="fr-FR" smtClean="0"/>
-              <a:t>26/02/2019</a:t>
+              <a:t>28/02/2019</a:t>
             </a:fld>
             <a:endParaRPr lang="fr-FR"/>
           </a:p>
@@ -3181,7 +3181,7 @@
           <a:p>
             <a:fld id="{4506E9E2-0E89-4306-8ECC-CBA3342BD3BE}" type="datetime1">
               <a:rPr lang="fr-FR" smtClean="0"/>
-              <a:t>26/02/2019</a:t>
+              <a:t>28/02/2019</a:t>
             </a:fld>
             <a:endParaRPr lang="fr-FR"/>
           </a:p>
@@ -3364,7 +3364,7 @@
           <a:p>
             <a:fld id="{E72244DD-159C-49DD-92F1-EBE9639D0EE0}" type="datetime1">
               <a:rPr lang="fr-FR" smtClean="0"/>
-              <a:t>26/02/2019</a:t>
+              <a:t>28/02/2019</a:t>
             </a:fld>
             <a:endParaRPr lang="fr-FR"/>
           </a:p>
@@ -3609,7 +3609,7 @@
           <a:p>
             <a:fld id="{5D3C99ED-186C-460B-B8FA-3099305AE68E}" type="datetime1">
               <a:rPr lang="fr-FR" smtClean="0"/>
-              <a:t>26/02/2019</a:t>
+              <a:t>28/02/2019</a:t>
             </a:fld>
             <a:endParaRPr lang="fr-FR"/>
           </a:p>
@@ -3838,7 +3838,7 @@
           <a:p>
             <a:fld id="{516E6981-5710-4BB6-84F1-DBCF841A5299}" type="datetime1">
               <a:rPr lang="fr-FR" smtClean="0"/>
-              <a:t>26/02/2019</a:t>
+              <a:t>28/02/2019</a:t>
             </a:fld>
             <a:endParaRPr lang="fr-FR"/>
           </a:p>
@@ -4202,7 +4202,7 @@
           <a:p>
             <a:fld id="{F16842B7-5BE0-42D3-A68E-4B9C958A16BA}" type="datetime1">
               <a:rPr lang="fr-FR" smtClean="0"/>
-              <a:t>26/02/2019</a:t>
+              <a:t>28/02/2019</a:t>
             </a:fld>
             <a:endParaRPr lang="fr-FR"/>
           </a:p>
@@ -4319,7 +4319,7 @@
           <a:p>
             <a:fld id="{4F651A2D-4434-45A5-975D-22BC481F14E4}" type="datetime1">
               <a:rPr lang="fr-FR" smtClean="0"/>
-              <a:t>26/02/2019</a:t>
+              <a:t>28/02/2019</a:t>
             </a:fld>
             <a:endParaRPr lang="fr-FR"/>
           </a:p>
@@ -4414,7 +4414,7 @@
           <a:p>
             <a:fld id="{388C0F5D-A627-4FC2-B3B9-0D7E690BC359}" type="datetime1">
               <a:rPr lang="fr-FR" smtClean="0"/>
-              <a:t>26/02/2019</a:t>
+              <a:t>28/02/2019</a:t>
             </a:fld>
             <a:endParaRPr lang="fr-FR"/>
           </a:p>
@@ -4689,7 +4689,7 @@
           <a:p>
             <a:fld id="{CCC28D6C-0D7C-4702-B4D9-18463E1D1007}" type="datetime1">
               <a:rPr lang="fr-FR" smtClean="0"/>
-              <a:t>26/02/2019</a:t>
+              <a:t>28/02/2019</a:t>
             </a:fld>
             <a:endParaRPr lang="fr-FR"/>
           </a:p>
@@ -4941,7 +4941,7 @@
           <a:p>
             <a:fld id="{E8BBF2F9-5F60-437C-BC45-B249DFB82E00}" type="datetime1">
               <a:rPr lang="fr-FR" smtClean="0"/>
-              <a:t>26/02/2019</a:t>
+              <a:t>28/02/2019</a:t>
             </a:fld>
             <a:endParaRPr lang="fr-FR"/>
           </a:p>
@@ -5152,7 +5152,7 @@
           <a:p>
             <a:fld id="{CCAF7043-D15A-4604-BA10-86076BDB4698}" type="datetime1">
               <a:rPr lang="fr-FR" smtClean="0"/>
-              <a:t>26/02/2019</a:t>
+              <a:t>28/02/2019</a:t>
             </a:fld>
             <a:endParaRPr lang="fr-FR"/>
           </a:p>
@@ -20724,7 +20724,7 @@
           <p:nvPr>
             <p:extLst>
               <p:ext uri="{D42A27DB-BD31-4B8C-83A1-F6EECF244321}">
-                <p14:modId xmlns:p14="http://schemas.microsoft.com/office/powerpoint/2010/main" val="2214414254"/>
+                <p14:modId xmlns:p14="http://schemas.microsoft.com/office/powerpoint/2010/main" val="1623087059"/>
               </p:ext>
             </p:extLst>
           </p:nvPr>
@@ -21330,8 +21330,12 @@
                     <a:lstStyle/>
                     <a:p>
                       <a:r>
+                        <a:rPr lang="fr-FR" sz="1600"/>
+                        <a:t>JSON, XML</a:t>
+                      </a:r>
+                      <a:r>
                         <a:rPr lang="fr-FR" sz="1600" dirty="0"/>
-                        <a:t>JSON,XML, YAML, </a:t>
+                        <a:t>, YAML, </a:t>
                       </a:r>
                       <a:r>
                         <a:rPr lang="fr-FR" sz="1600" dirty="0" err="1"/>
